--- a/MOD 8/Presentaciones/Clasificacion.pptx
+++ b/MOD 8/Presentaciones/Clasificacion.pptx
@@ -5,7 +5,7 @@
     <p:sldMasterId id="2147484031" r:id="rId1"/>
   </p:sldMasterIdLst>
   <p:notesMasterIdLst>
-    <p:notesMasterId r:id="rId30"/>
+    <p:notesMasterId r:id="rId31"/>
   </p:notesMasterIdLst>
   <p:sldIdLst>
     <p:sldId id="256" r:id="rId2"/>
@@ -36,6 +36,7 @@
     <p:sldId id="288" r:id="rId27"/>
     <p:sldId id="275" r:id="rId28"/>
     <p:sldId id="280" r:id="rId29"/>
+    <p:sldId id="289" r:id="rId30"/>
   </p:sldIdLst>
   <p:sldSz cx="12599988" cy="6858000"/>
   <p:notesSz cx="9144000" cy="6858000"/>
@@ -142,16 +143,77 @@
 </p:presentation>
 </file>
 
-<file path=ppt/revisionInfo.xml><?xml version="1.0" encoding="utf-8"?>
-<p1510:revInfo xmlns:a="http://schemas.openxmlformats.org/drawingml/2006/main" xmlns:r="http://schemas.openxmlformats.org/officeDocument/2006/relationships" xmlns:p1510="http://schemas.microsoft.com/office/powerpoint/2015/10/main">
-  <p1510:revLst>
-    <p1510:client id="{890D0794-FCA6-40B8-ABDB-03717CFA0894}" v="18" dt="2021-11-25T04:40:21.712"/>
-  </p1510:revLst>
-</p1510:revInfo>
-</file>
-
 <file path=ppt/changesInfos/changesInfo1.xml><?xml version="1.0" encoding="utf-8"?>
 <pc:chgInfo xmlns:a="http://schemas.openxmlformats.org/drawingml/2006/main" xmlns:r="http://schemas.openxmlformats.org/officeDocument/2006/relationships" xmlns:ac="http://schemas.microsoft.com/office/drawing/2013/main/command" xmlns:pc="http://schemas.microsoft.com/office/powerpoint/2013/main/command">
+  <pc:docChgLst>
+    <pc:chgData name="Javier Juárez Martínez" userId="b8fab5dd1ded286d" providerId="LiveId" clId="{20473AFD-D683-4396-BC16-73071E38CFEA}"/>
+    <pc:docChg chg="custSel addSld modSld">
+      <pc:chgData name="Javier Juárez Martínez" userId="b8fab5dd1ded286d" providerId="LiveId" clId="{20473AFD-D683-4396-BC16-73071E38CFEA}" dt="2021-11-30T01:45:29.009" v="48" actId="20577"/>
+      <pc:docMkLst>
+        <pc:docMk/>
+      </pc:docMkLst>
+      <pc:sldChg chg="modSp mod">
+        <pc:chgData name="Javier Juárez Martínez" userId="b8fab5dd1ded286d" providerId="LiveId" clId="{20473AFD-D683-4396-BC16-73071E38CFEA}" dt="2021-11-29T22:38:42.488" v="20" actId="20577"/>
+        <pc:sldMkLst>
+          <pc:docMk/>
+          <pc:sldMk cId="1665779420" sldId="256"/>
+        </pc:sldMkLst>
+        <pc:spChg chg="mod">
+          <ac:chgData name="Javier Juárez Martínez" userId="b8fab5dd1ded286d" providerId="LiveId" clId="{20473AFD-D683-4396-BC16-73071E38CFEA}" dt="2021-11-29T22:38:42.488" v="20" actId="20577"/>
+          <ac:spMkLst>
+            <pc:docMk/>
+            <pc:sldMk cId="1665779420" sldId="256"/>
+            <ac:spMk id="3" creationId="{E99D5609-82C6-49B4-B57E-6B3E06FF9945}"/>
+          </ac:spMkLst>
+        </pc:spChg>
+      </pc:sldChg>
+      <pc:sldChg chg="modSp mod">
+        <pc:chgData name="Javier Juárez Martínez" userId="b8fab5dd1ded286d" providerId="LiveId" clId="{20473AFD-D683-4396-BC16-73071E38CFEA}" dt="2021-11-29T22:56:25.951" v="25" actId="20577"/>
+        <pc:sldMkLst>
+          <pc:docMk/>
+          <pc:sldMk cId="4101349980" sldId="271"/>
+        </pc:sldMkLst>
+        <pc:spChg chg="mod">
+          <ac:chgData name="Javier Juárez Martínez" userId="b8fab5dd1ded286d" providerId="LiveId" clId="{20473AFD-D683-4396-BC16-73071E38CFEA}" dt="2021-11-29T22:56:25.951" v="25" actId="20577"/>
+          <ac:spMkLst>
+            <pc:docMk/>
+            <pc:sldMk cId="4101349980" sldId="271"/>
+            <ac:spMk id="10" creationId="{2A082E52-04F0-411C-968A-F564058C04D0}"/>
+          </ac:spMkLst>
+        </pc:spChg>
+      </pc:sldChg>
+      <pc:sldChg chg="modSp mod">
+        <pc:chgData name="Javier Juárez Martínez" userId="b8fab5dd1ded286d" providerId="LiveId" clId="{20473AFD-D683-4396-BC16-73071E38CFEA}" dt="2021-11-29T22:51:39.063" v="21" actId="20577"/>
+        <pc:sldMkLst>
+          <pc:docMk/>
+          <pc:sldMk cId="3474871660" sldId="283"/>
+        </pc:sldMkLst>
+        <pc:spChg chg="mod">
+          <ac:chgData name="Javier Juárez Martínez" userId="b8fab5dd1ded286d" providerId="LiveId" clId="{20473AFD-D683-4396-BC16-73071E38CFEA}" dt="2021-11-29T22:51:39.063" v="21" actId="20577"/>
+          <ac:spMkLst>
+            <pc:docMk/>
+            <pc:sldMk cId="3474871660" sldId="283"/>
+            <ac:spMk id="10" creationId="{2A082E52-04F0-411C-968A-F564058C04D0}"/>
+          </ac:spMkLst>
+        </pc:spChg>
+      </pc:sldChg>
+      <pc:sldChg chg="modSp new mod">
+        <pc:chgData name="Javier Juárez Martínez" userId="b8fab5dd1ded286d" providerId="LiveId" clId="{20473AFD-D683-4396-BC16-73071E38CFEA}" dt="2021-11-30T01:45:29.009" v="48" actId="20577"/>
+        <pc:sldMkLst>
+          <pc:docMk/>
+          <pc:sldMk cId="1450379950" sldId="289"/>
+        </pc:sldMkLst>
+        <pc:spChg chg="mod">
+          <ac:chgData name="Javier Juárez Martínez" userId="b8fab5dd1ded286d" providerId="LiveId" clId="{20473AFD-D683-4396-BC16-73071E38CFEA}" dt="2021-11-30T01:45:29.009" v="48" actId="20577"/>
+          <ac:spMkLst>
+            <pc:docMk/>
+            <pc:sldMk cId="1450379950" sldId="289"/>
+            <ac:spMk id="2" creationId="{0729B861-B0B7-45A6-9003-8BF442AAF71E}"/>
+          </ac:spMkLst>
+        </pc:spChg>
+      </pc:sldChg>
+    </pc:docChg>
+  </pc:docChgLst>
   <pc:docChgLst>
     <pc:chgData name="Javier Juárez Martínez" userId="b8fab5dd1ded286d" providerId="LiveId" clId="{890D0794-FCA6-40B8-ABDB-03717CFA0894}"/>
     <pc:docChg chg="undo custSel addSld delSld modSld sldOrd">
@@ -7964,7 +8026,7 @@
           <p:cNvPr id="4" name="Picture 3" descr="Luces brillantes multicolores abstractas">
             <a:extLst>
               <a:ext uri="{FF2B5EF4-FFF2-40B4-BE49-F238E27FC236}">
-                <a16:creationId xmlns:a16="http://schemas.microsoft.com/office/drawing/2014/main" xmlns="" id="{AEE44C0D-89D5-4755-9988-A410120D4B5A}"/>
+                <a16:creationId xmlns:a16="http://schemas.microsoft.com/office/drawing/2014/main" id="{AEE44C0D-89D5-4755-9988-A410120D4B5A}"/>
               </a:ext>
             </a:extLst>
           </p:cNvPr>
@@ -8002,7 +8064,7 @@
           <p:cNvPr id="2" name="Título 1">
             <a:extLst>
               <a:ext uri="{FF2B5EF4-FFF2-40B4-BE49-F238E27FC236}">
-                <a16:creationId xmlns:a16="http://schemas.microsoft.com/office/drawing/2014/main" xmlns="" id="{998ADC85-4CFF-4A37-B187-A15A42516146}"/>
+                <a16:creationId xmlns:a16="http://schemas.microsoft.com/office/drawing/2014/main" id="{998ADC85-4CFF-4A37-B187-A15A42516146}"/>
               </a:ext>
             </a:extLst>
           </p:cNvPr>
@@ -8036,7 +8098,7 @@
           <p:cNvPr id="3" name="Subtítulo 2">
             <a:extLst>
               <a:ext uri="{FF2B5EF4-FFF2-40B4-BE49-F238E27FC236}">
-                <a16:creationId xmlns:a16="http://schemas.microsoft.com/office/drawing/2014/main" xmlns="" id="{E99D5609-82C6-49B4-B57E-6B3E06FF9945}"/>
+                <a16:creationId xmlns:a16="http://schemas.microsoft.com/office/drawing/2014/main" id="{E99D5609-82C6-49B4-B57E-6B3E06FF9945}"/>
               </a:ext>
             </a:extLst>
           </p:cNvPr>
@@ -8097,7 +8159,7 @@
           <p:cNvPr id="2" name="Título 1">
             <a:extLst>
               <a:ext uri="{FF2B5EF4-FFF2-40B4-BE49-F238E27FC236}">
-                <a16:creationId xmlns:a16="http://schemas.microsoft.com/office/drawing/2014/main" xmlns="" id="{67EF4DCE-D69A-4794-AB94-340A76AFE9F4}"/>
+                <a16:creationId xmlns:a16="http://schemas.microsoft.com/office/drawing/2014/main" id="{67EF4DCE-D69A-4794-AB94-340A76AFE9F4}"/>
               </a:ext>
             </a:extLst>
           </p:cNvPr>
@@ -8119,10 +8181,9 @@
           <a:lstStyle/>
           <a:p>
             <a:r>
-              <a:rPr lang="es-MX" dirty="0" smtClean="0"/>
+              <a:rPr lang="es-MX" dirty="0"/>
               <a:t>Resumen de Métricas</a:t>
             </a:r>
-            <a:endParaRPr lang="es-MX" dirty="0"/>
           </a:p>
         </p:txBody>
       </p:sp>
@@ -8131,7 +8192,7 @@
           <p:cNvPr id="1026" name="Picture 2" descr="Full Stack Deep Learning Steps and Tools | by Haryo Akbarianto Wibowo |  Towards Data Science">
             <a:extLst>
               <a:ext uri="{FF2B5EF4-FFF2-40B4-BE49-F238E27FC236}">
-                <a16:creationId xmlns:a16="http://schemas.microsoft.com/office/drawing/2014/main" xmlns="" id="{D41CF2F5-6376-48B4-ABB4-04BC1BEEE8AD}"/>
+                <a16:creationId xmlns:a16="http://schemas.microsoft.com/office/drawing/2014/main" id="{D41CF2F5-6376-48B4-ABB4-04BC1BEEE8AD}"/>
               </a:ext>
             </a:extLst>
           </p:cNvPr>
@@ -8178,7 +8239,7 @@
           <p:cNvPr id="4" name="CuadroTexto 3">
             <a:extLst>
               <a:ext uri="{FF2B5EF4-FFF2-40B4-BE49-F238E27FC236}">
-                <a16:creationId xmlns:a16="http://schemas.microsoft.com/office/drawing/2014/main" xmlns="" id="{3C2706D7-1A01-4D2C-95F9-849AAD96D470}"/>
+                <a16:creationId xmlns:a16="http://schemas.microsoft.com/office/drawing/2014/main" id="{3C2706D7-1A01-4D2C-95F9-849AAD96D470}"/>
               </a:ext>
             </a:extLst>
           </p:cNvPr>
@@ -8203,11 +8264,7 @@
           <a:p>
             <a:r>
               <a:rPr lang="es-ES" sz="2000" dirty="0"/>
-              <a:t>Consideremos ahora un problema de detección de spam por correo electrónico y que está esperando un correo electrónico importante como una respuesta de un </a:t>
-            </a:r>
-            <a:r>
-              <a:rPr lang="es-ES" sz="2000" dirty="0" smtClean="0"/>
-              <a:t>reclutador</a:t>
+              <a:t>Consideremos ahora un problema de detección de spam por correo electrónico y que está esperando un correo electrónico importante como una respuesta de un reclutador</a:t>
             </a:r>
             <a:endParaRPr lang="es-MX" sz="2000" dirty="0"/>
           </a:p>
@@ -8248,7 +8305,7 @@
           <p:cNvPr id="2" name="Título 1">
             <a:extLst>
               <a:ext uri="{FF2B5EF4-FFF2-40B4-BE49-F238E27FC236}">
-                <a16:creationId xmlns:a16="http://schemas.microsoft.com/office/drawing/2014/main" xmlns="" id="{AD34F54B-A54B-4198-99B6-09CCA94C5B28}"/>
+                <a16:creationId xmlns:a16="http://schemas.microsoft.com/office/drawing/2014/main" id="{AD34F54B-A54B-4198-99B6-09CCA94C5B28}"/>
               </a:ext>
             </a:extLst>
           </p:cNvPr>
@@ -8276,7 +8333,7 @@
           <p:cNvPr id="5" name="Marcador de contenido 4">
             <a:extLst>
               <a:ext uri="{FF2B5EF4-FFF2-40B4-BE49-F238E27FC236}">
-                <a16:creationId xmlns:a16="http://schemas.microsoft.com/office/drawing/2014/main" xmlns="" id="{A2694B3E-6C72-4005-BA7D-945F0AD31C5E}"/>
+                <a16:creationId xmlns:a16="http://schemas.microsoft.com/office/drawing/2014/main" id="{A2694B3E-6C72-4005-BA7D-945F0AD31C5E}"/>
               </a:ext>
             </a:extLst>
           </p:cNvPr>
@@ -8335,7 +8392,7 @@
           <p:cNvPr id="2" name="Título 1">
             <a:extLst>
               <a:ext uri="{FF2B5EF4-FFF2-40B4-BE49-F238E27FC236}">
-                <a16:creationId xmlns:a16="http://schemas.microsoft.com/office/drawing/2014/main" xmlns="" id="{7CD45CE7-AF43-4537-8BD4-31443E8BAEC4}"/>
+                <a16:creationId xmlns:a16="http://schemas.microsoft.com/office/drawing/2014/main" id="{7CD45CE7-AF43-4537-8BD4-31443E8BAEC4}"/>
               </a:ext>
             </a:extLst>
           </p:cNvPr>
@@ -8363,7 +8420,7 @@
           <p:cNvPr id="5" name="Marcador de contenido 4">
             <a:extLst>
               <a:ext uri="{FF2B5EF4-FFF2-40B4-BE49-F238E27FC236}">
-                <a16:creationId xmlns:a16="http://schemas.microsoft.com/office/drawing/2014/main" xmlns="" id="{8A5A93F7-3CD5-4007-9413-7EA067362E73}"/>
+                <a16:creationId xmlns:a16="http://schemas.microsoft.com/office/drawing/2014/main" id="{8A5A93F7-3CD5-4007-9413-7EA067362E73}"/>
               </a:ext>
             </a:extLst>
           </p:cNvPr>
@@ -8422,7 +8479,7 @@
           <p:cNvPr id="2" name="Título 1">
             <a:extLst>
               <a:ext uri="{FF2B5EF4-FFF2-40B4-BE49-F238E27FC236}">
-                <a16:creationId xmlns:a16="http://schemas.microsoft.com/office/drawing/2014/main" xmlns="" id="{ADDA5E69-DBC0-4051-B1A3-CE83220322E0}"/>
+                <a16:creationId xmlns:a16="http://schemas.microsoft.com/office/drawing/2014/main" id="{ADDA5E69-DBC0-4051-B1A3-CE83220322E0}"/>
               </a:ext>
             </a:extLst>
           </p:cNvPr>
@@ -8446,12 +8503,8 @@
           <a:lstStyle/>
           <a:p>
             <a:r>
-              <a:rPr lang="en-US" sz="4000" b="1" dirty="0" smtClean="0"/>
-              <a:t>Precision </a:t>
-            </a:r>
-            <a:r>
               <a:rPr lang="en-US" sz="4000" b="1" dirty="0"/>
-              <a:t>vs Recall</a:t>
+              <a:t>Precision vs Recall</a:t>
             </a:r>
           </a:p>
         </p:txBody>
@@ -8461,7 +8514,7 @@
           <p:cNvPr id="10" name="CuadroTexto 9">
             <a:extLst>
               <a:ext uri="{FF2B5EF4-FFF2-40B4-BE49-F238E27FC236}">
-                <a16:creationId xmlns:a16="http://schemas.microsoft.com/office/drawing/2014/main" xmlns="" id="{2A082E52-04F0-411C-968A-F564058C04D0}"/>
+                <a16:creationId xmlns:a16="http://schemas.microsoft.com/office/drawing/2014/main" id="{2A082E52-04F0-411C-968A-F564058C04D0}"/>
               </a:ext>
             </a:extLst>
           </p:cNvPr>
@@ -8549,7 +8602,7 @@
                 <a:effectLst/>
                 <a:latin typeface="-apple-system"/>
               </a:rPr>
-              <a:t> no se trata tanto de capturar casos correctamente sino más de capturar todos los casos que tener “cáncer” con la respuesta como “cáncer”. Entonces, si siempre decimos cada caso como “cáncer”, tenemos un recuerdo del 100%.</a:t>
+              <a:t> no se trata tanto de capturar casos correctamente sino más de capturar todos los casos que tener “cáncer” con la respuesta como “cáncer”. Entonces, si siempre decimos cada caso como “cáncer”, tenemos un recuento del 100%.</a:t>
             </a:r>
             <a:endParaRPr lang="es-MX" sz="2400" dirty="0"/>
           </a:p>
@@ -8601,10 +8654,9 @@
           <a:lstStyle/>
           <a:p>
             <a:r>
-              <a:rPr lang="es-MX" dirty="0" smtClean="0"/>
+              <a:rPr lang="es-MX" dirty="0"/>
               <a:t>MÉTODOS DE CLASIFICACIÓN</a:t>
             </a:r>
-            <a:endParaRPr lang="es-MX" dirty="0"/>
           </a:p>
         </p:txBody>
       </p:sp>
@@ -8624,90 +8676,89 @@
           <a:lstStyle/>
           <a:p>
             <a:r>
-              <a:rPr lang="es-MX" dirty="0" smtClean="0"/>
+              <a:rPr lang="es-MX" dirty="0"/>
               <a:t>KNN – </a:t>
             </a:r>
             <a:r>
-              <a:rPr lang="es-MX" dirty="0" err="1" smtClean="0"/>
+              <a:rPr lang="es-MX" dirty="0" err="1"/>
               <a:t>K.Nearest</a:t>
             </a:r>
             <a:r>
-              <a:rPr lang="es-MX" dirty="0" smtClean="0"/>
+              <a:rPr lang="es-MX" dirty="0"/>
               <a:t> </a:t>
             </a:r>
             <a:r>
-              <a:rPr lang="es-MX" dirty="0" err="1" smtClean="0"/>
+              <a:rPr lang="es-MX" dirty="0" err="1"/>
               <a:t>Neighbor</a:t>
             </a:r>
-            <a:endParaRPr lang="es-MX" dirty="0" smtClean="0"/>
-          </a:p>
-          <a:p>
-            <a:r>
-              <a:rPr lang="es-MX" dirty="0" smtClean="0"/>
+            <a:endParaRPr lang="es-MX" dirty="0"/>
+          </a:p>
+          <a:p>
+            <a:r>
+              <a:rPr lang="es-MX" dirty="0"/>
               <a:t>Regresión logística</a:t>
             </a:r>
           </a:p>
           <a:p>
             <a:r>
-              <a:rPr lang="es-MX" dirty="0" smtClean="0"/>
+              <a:rPr lang="es-MX" dirty="0"/>
               <a:t>Análisis </a:t>
             </a:r>
             <a:r>
-              <a:rPr lang="es-MX" dirty="0" err="1" smtClean="0"/>
+              <a:rPr lang="es-MX" dirty="0" err="1"/>
               <a:t>Discrimante</a:t>
             </a:r>
-            <a:endParaRPr lang="es-MX" dirty="0" smtClean="0"/>
-          </a:p>
-          <a:p>
-            <a:r>
-              <a:rPr lang="es-MX" dirty="0" err="1" smtClean="0"/>
+            <a:endParaRPr lang="es-MX" dirty="0"/>
+          </a:p>
+          <a:p>
+            <a:r>
+              <a:rPr lang="es-MX" dirty="0" err="1"/>
               <a:t>Naive</a:t>
             </a:r>
             <a:r>
-              <a:rPr lang="es-MX" dirty="0" smtClean="0"/>
+              <a:rPr lang="es-MX" dirty="0"/>
               <a:t> </a:t>
             </a:r>
             <a:r>
-              <a:rPr lang="es-MX" dirty="0" err="1" smtClean="0"/>
+              <a:rPr lang="es-MX" dirty="0" err="1"/>
               <a:t>Bayes</a:t>
             </a:r>
-            <a:endParaRPr lang="es-MX" dirty="0" smtClean="0"/>
-          </a:p>
-          <a:p>
-            <a:r>
-              <a:rPr lang="es-MX" dirty="0" smtClean="0"/>
+            <a:endParaRPr lang="es-MX" dirty="0"/>
+          </a:p>
+          <a:p>
+            <a:r>
+              <a:rPr lang="es-MX" dirty="0"/>
               <a:t>Árboles de Decisión</a:t>
             </a:r>
           </a:p>
           <a:p>
             <a:r>
-              <a:rPr lang="es-MX" dirty="0" err="1" smtClean="0"/>
+              <a:rPr lang="es-MX" dirty="0" err="1"/>
               <a:t>Random</a:t>
             </a:r>
             <a:r>
-              <a:rPr lang="es-MX" dirty="0" smtClean="0"/>
+              <a:rPr lang="es-MX" dirty="0"/>
               <a:t> </a:t>
             </a:r>
             <a:r>
-              <a:rPr lang="es-MX" dirty="0" err="1" smtClean="0"/>
+              <a:rPr lang="es-MX" dirty="0" err="1"/>
               <a:t>Forest</a:t>
             </a:r>
-            <a:endParaRPr lang="es-MX" dirty="0" smtClean="0"/>
-          </a:p>
-          <a:p>
-            <a:r>
-              <a:rPr lang="es-MX" dirty="0" smtClean="0"/>
+            <a:endParaRPr lang="es-MX" dirty="0"/>
+          </a:p>
+          <a:p>
+            <a:r>
+              <a:rPr lang="es-MX" dirty="0"/>
               <a:t>SVM (</a:t>
             </a:r>
             <a:r>
-              <a:rPr lang="es-MX" dirty="0" err="1" smtClean="0"/>
+              <a:rPr lang="es-MX" dirty="0" err="1"/>
               <a:t>Support</a:t>
             </a:r>
             <a:r>
-              <a:rPr lang="es-MX" dirty="0" smtClean="0"/>
+              <a:rPr lang="es-MX" dirty="0"/>
               <a:t> Vector Machines)</a:t>
             </a:r>
-            <a:endParaRPr lang="es-MX" dirty="0"/>
           </a:p>
         </p:txBody>
       </p:sp>
@@ -8746,7 +8797,7 @@
           <p:cNvPr id="2" name="Título 1">
             <a:extLst>
               <a:ext uri="{FF2B5EF4-FFF2-40B4-BE49-F238E27FC236}">
-                <a16:creationId xmlns:a16="http://schemas.microsoft.com/office/drawing/2014/main" xmlns="" id="{AEAB1356-232E-4E13-9BEA-8663D64C053A}"/>
+                <a16:creationId xmlns:a16="http://schemas.microsoft.com/office/drawing/2014/main" id="{AEAB1356-232E-4E13-9BEA-8663D64C053A}"/>
               </a:ext>
             </a:extLst>
           </p:cNvPr>
@@ -8778,10 +8829,6 @@
               <a:rPr lang="es-MX" dirty="0" err="1"/>
               <a:t>Neighbors</a:t>
             </a:r>
-            <a:r>
-              <a:rPr lang="es-MX" dirty="0"/>
-              <a:t/>
-            </a:r>
             <a:br>
               <a:rPr lang="es-MX" dirty="0"/>
             </a:br>
@@ -8808,27 +8855,27 @@
           <a:lstStyle/>
           <a:p>
             <a:r>
-              <a:rPr lang="es-MX" dirty="0" smtClean="0"/>
+              <a:rPr lang="es-MX" dirty="0"/>
               <a:t>Es un método de clasificación no </a:t>
             </a:r>
             <a:r>
-              <a:rPr lang="es-MX" dirty="0" err="1" smtClean="0"/>
+              <a:rPr lang="es-MX" dirty="0" err="1"/>
               <a:t>parámetrico</a:t>
             </a:r>
             <a:r>
-              <a:rPr lang="es-MX" dirty="0" smtClean="0"/>
+              <a:rPr lang="es-MX" dirty="0"/>
               <a:t>, es decir, no requiere asumir ninguna distribución sobre los datos.</a:t>
             </a:r>
           </a:p>
           <a:p>
             <a:r>
-              <a:rPr lang="es-MX" dirty="0" smtClean="0"/>
+              <a:rPr lang="es-MX" dirty="0"/>
               <a:t>Este método no requiere estimar las probabilidades desconocidas de que cada elemento pertenezca a cada grupo.</a:t>
             </a:r>
           </a:p>
           <a:p>
             <a:r>
-              <a:rPr lang="es-MX" dirty="0" smtClean="0"/>
+              <a:rPr lang="es-MX" dirty="0"/>
               <a:t>La principal idea del algoritmo, es buscar, para una nueva observación que queremos clasificar, sus k vecinos más cercanos, es decir las k observaciones mas cercanas con respecto a una medida de distancia.</a:t>
             </a:r>
           </a:p>
@@ -8869,7 +8916,7 @@
           <p:cNvPr id="2" name="Título 1">
             <a:extLst>
               <a:ext uri="{FF2B5EF4-FFF2-40B4-BE49-F238E27FC236}">
-                <a16:creationId xmlns:a16="http://schemas.microsoft.com/office/drawing/2014/main" xmlns="" id="{AEAB1356-232E-4E13-9BEA-8663D64C053A}"/>
+                <a16:creationId xmlns:a16="http://schemas.microsoft.com/office/drawing/2014/main" id="{AEAB1356-232E-4E13-9BEA-8663D64C053A}"/>
               </a:ext>
             </a:extLst>
           </p:cNvPr>
@@ -8901,10 +8948,6 @@
               <a:rPr lang="es-MX" dirty="0" err="1"/>
               <a:t>Neighbors</a:t>
             </a:r>
-            <a:r>
-              <a:rPr lang="es-MX" dirty="0"/>
-              <a:t/>
-            </a:r>
             <a:br>
               <a:rPr lang="es-MX" dirty="0"/>
             </a:br>
@@ -8920,7 +8963,7 @@
           <p:cNvPr id="5" name="Marcador de contenido 4">
             <a:extLst>
               <a:ext uri="{FF2B5EF4-FFF2-40B4-BE49-F238E27FC236}">
-                <a16:creationId xmlns:a16="http://schemas.microsoft.com/office/drawing/2014/main" xmlns="" id="{05E2C0BA-C40A-450C-8336-1ACF7B51E93D}"/>
+                <a16:creationId xmlns:a16="http://schemas.microsoft.com/office/drawing/2014/main" id="{05E2C0BA-C40A-450C-8336-1ACF7B51E93D}"/>
               </a:ext>
             </a:extLst>
           </p:cNvPr>
@@ -8945,7 +8988,7 @@
           <p:cNvPr id="9" name="Imagen 8">
             <a:extLst>
               <a:ext uri="{FF2B5EF4-FFF2-40B4-BE49-F238E27FC236}">
-                <a16:creationId xmlns:a16="http://schemas.microsoft.com/office/drawing/2014/main" xmlns="" id="{933850D3-3648-4CBA-9ED3-869124CC9529}"/>
+                <a16:creationId xmlns:a16="http://schemas.microsoft.com/office/drawing/2014/main" id="{933850D3-3648-4CBA-9ED3-869124CC9529}"/>
               </a:ext>
             </a:extLst>
           </p:cNvPr>
@@ -9005,7 +9048,7 @@
           <p:cNvPr id="2" name="Título 1">
             <a:extLst>
               <a:ext uri="{FF2B5EF4-FFF2-40B4-BE49-F238E27FC236}">
-                <a16:creationId xmlns:a16="http://schemas.microsoft.com/office/drawing/2014/main" xmlns="" id="{B882E447-43B0-48AA-9539-974C875FAB55}"/>
+                <a16:creationId xmlns:a16="http://schemas.microsoft.com/office/drawing/2014/main" id="{B882E447-43B0-48AA-9539-974C875FAB55}"/>
               </a:ext>
             </a:extLst>
           </p:cNvPr>
@@ -9033,7 +9076,7 @@
           <p:cNvPr id="5" name="Imagen 4">
             <a:extLst>
               <a:ext uri="{FF2B5EF4-FFF2-40B4-BE49-F238E27FC236}">
-                <a16:creationId xmlns:a16="http://schemas.microsoft.com/office/drawing/2014/main" xmlns="" id="{F705CA12-74B1-4D09-A245-1E52F25FFFC1}"/>
+                <a16:creationId xmlns:a16="http://schemas.microsoft.com/office/drawing/2014/main" id="{F705CA12-74B1-4D09-A245-1E52F25FFFC1}"/>
               </a:ext>
             </a:extLst>
           </p:cNvPr>
@@ -9093,7 +9136,7 @@
           <p:cNvPr id="2" name="Título 1">
             <a:extLst>
               <a:ext uri="{FF2B5EF4-FFF2-40B4-BE49-F238E27FC236}">
-                <a16:creationId xmlns:a16="http://schemas.microsoft.com/office/drawing/2014/main" xmlns="" id="{4E56B931-96E7-439A-9C83-AA7C390D7DB2}"/>
+                <a16:creationId xmlns:a16="http://schemas.microsoft.com/office/drawing/2014/main" id="{4E56B931-96E7-439A-9C83-AA7C390D7DB2}"/>
               </a:ext>
             </a:extLst>
           </p:cNvPr>
@@ -9121,7 +9164,7 @@
           <p:cNvPr id="3" name="Marcador de contenido 2">
             <a:extLst>
               <a:ext uri="{FF2B5EF4-FFF2-40B4-BE49-F238E27FC236}">
-                <a16:creationId xmlns:a16="http://schemas.microsoft.com/office/drawing/2014/main" xmlns="" id="{8EB7E9CD-B096-419C-B41F-FDC1D47A39BD}"/>
+                <a16:creationId xmlns:a16="http://schemas.microsoft.com/office/drawing/2014/main" id="{8EB7E9CD-B096-419C-B41F-FDC1D47A39BD}"/>
               </a:ext>
             </a:extLst>
           </p:cNvPr>
@@ -9146,7 +9189,7 @@
           <p:cNvPr id="5" name="Imagen 4">
             <a:extLst>
               <a:ext uri="{FF2B5EF4-FFF2-40B4-BE49-F238E27FC236}">
-                <a16:creationId xmlns:a16="http://schemas.microsoft.com/office/drawing/2014/main" xmlns="" id="{E016A964-B6A1-4596-A0E1-707920E63F8E}"/>
+                <a16:creationId xmlns:a16="http://schemas.microsoft.com/office/drawing/2014/main" id="{E016A964-B6A1-4596-A0E1-707920E63F8E}"/>
               </a:ext>
             </a:extLst>
           </p:cNvPr>
@@ -9230,7 +9273,7 @@
           <p:cNvPr id="2" name="Título 1">
             <a:extLst>
               <a:ext uri="{FF2B5EF4-FFF2-40B4-BE49-F238E27FC236}">
-                <a16:creationId xmlns:a16="http://schemas.microsoft.com/office/drawing/2014/main" xmlns="" id="{A07C9DA6-BEED-457D-8ECF-3CAEA0BA487E}"/>
+                <a16:creationId xmlns:a16="http://schemas.microsoft.com/office/drawing/2014/main" id="{A07C9DA6-BEED-457D-8ECF-3CAEA0BA487E}"/>
               </a:ext>
             </a:extLst>
           </p:cNvPr>
@@ -9270,7 +9313,7 @@
           <p:cNvPr id="5" name="Imagen 4">
             <a:extLst>
               <a:ext uri="{FF2B5EF4-FFF2-40B4-BE49-F238E27FC236}">
-                <a16:creationId xmlns:a16="http://schemas.microsoft.com/office/drawing/2014/main" xmlns="" id="{7CFB2B52-01B6-4410-A8F3-BAF0F57C9CCC}"/>
+                <a16:creationId xmlns:a16="http://schemas.microsoft.com/office/drawing/2014/main" id="{7CFB2B52-01B6-4410-A8F3-BAF0F57C9CCC}"/>
               </a:ext>
             </a:extLst>
           </p:cNvPr>
@@ -9307,7 +9350,7 @@
           <p:cNvPr id="3" name="Marcador de contenido 2">
             <a:extLst>
               <a:ext uri="{FF2B5EF4-FFF2-40B4-BE49-F238E27FC236}">
-                <a16:creationId xmlns:a16="http://schemas.microsoft.com/office/drawing/2014/main" xmlns="" id="{7BB0F5E1-1227-40FF-B12F-4F3A23336BB8}"/>
+                <a16:creationId xmlns:a16="http://schemas.microsoft.com/office/drawing/2014/main" id="{7BB0F5E1-1227-40FF-B12F-4F3A23336BB8}"/>
               </a:ext>
             </a:extLst>
           </p:cNvPr>
@@ -9388,7 +9431,7 @@
           <p:cNvPr id="2" name="Título 1">
             <a:extLst>
               <a:ext uri="{FF2B5EF4-FFF2-40B4-BE49-F238E27FC236}">
-                <a16:creationId xmlns:a16="http://schemas.microsoft.com/office/drawing/2014/main" xmlns="" id="{67EF4DCE-D69A-4794-AB94-340A76AFE9F4}"/>
+                <a16:creationId xmlns:a16="http://schemas.microsoft.com/office/drawing/2014/main" id="{67EF4DCE-D69A-4794-AB94-340A76AFE9F4}"/>
               </a:ext>
             </a:extLst>
           </p:cNvPr>
@@ -9410,10 +9453,9 @@
           <a:lstStyle/>
           <a:p>
             <a:r>
-              <a:rPr lang="es-MX" dirty="0" smtClean="0"/>
+              <a:rPr lang="es-MX" dirty="0"/>
               <a:t>Matriz de Confusión</a:t>
             </a:r>
-            <a:endParaRPr lang="es-MX" dirty="0"/>
           </a:p>
         </p:txBody>
       </p:sp>
@@ -9422,7 +9464,7 @@
           <p:cNvPr id="4" name="CuadroTexto 3">
             <a:extLst>
               <a:ext uri="{FF2B5EF4-FFF2-40B4-BE49-F238E27FC236}">
-                <a16:creationId xmlns:a16="http://schemas.microsoft.com/office/drawing/2014/main" xmlns="" id="{3C2706D7-1A01-4D2C-95F9-849AAD96D470}"/>
+                <a16:creationId xmlns:a16="http://schemas.microsoft.com/office/drawing/2014/main" id="{3C2706D7-1A01-4D2C-95F9-849AAD96D470}"/>
               </a:ext>
             </a:extLst>
           </p:cNvPr>
@@ -9463,15 +9505,11 @@
             </a:r>
             <a:r>
               <a:rPr lang="es-MX" sz="2000" dirty="0"/>
-              <a:t>, es una herramienta que nos muestra el desempeño de un algoritmo de clasificación, describiendo cómo se distribuyen los valores reales y nuestras predicciones</a:t>
-            </a:r>
-            <a:r>
-              <a:rPr lang="es-MX" sz="2000" dirty="0" smtClean="0"/>
-              <a:t>: </a:t>
-            </a:r>
-          </a:p>
-          <a:p>
-            <a:endParaRPr lang="es-MX" sz="2000" dirty="0" smtClean="0"/>
+              <a:t>, es una herramienta que nos muestra el desempeño de un algoritmo de clasificación, describiendo cómo se distribuyen los valores reales y nuestras predicciones: </a:t>
+            </a:r>
+          </a:p>
+          <a:p>
+            <a:endParaRPr lang="es-MX" sz="2000" dirty="0"/>
           </a:p>
           <a:p>
             <a:endParaRPr lang="es-MX" sz="2000" dirty="0"/>
@@ -9507,7 +9545,7 @@
           <p:cNvPr id="7" name="Imagen 6">
             <a:extLst>
               <a:ext uri="{FF2B5EF4-FFF2-40B4-BE49-F238E27FC236}">
-                <a16:creationId xmlns:a16="http://schemas.microsoft.com/office/drawing/2014/main" xmlns="" id="{92C5F073-3092-43FA-AA05-57B9A3D99CA2}"/>
+                <a16:creationId xmlns:a16="http://schemas.microsoft.com/office/drawing/2014/main" id="{92C5F073-3092-43FA-AA05-57B9A3D99CA2}"/>
               </a:ext>
             </a:extLst>
           </p:cNvPr>
@@ -9567,7 +9605,7 @@
           <p:cNvPr id="2" name="Título 1">
             <a:extLst>
               <a:ext uri="{FF2B5EF4-FFF2-40B4-BE49-F238E27FC236}">
-                <a16:creationId xmlns:a16="http://schemas.microsoft.com/office/drawing/2014/main" xmlns="" id="{AEAB1356-232E-4E13-9BEA-8663D64C053A}"/>
+                <a16:creationId xmlns:a16="http://schemas.microsoft.com/office/drawing/2014/main" id="{AEAB1356-232E-4E13-9BEA-8663D64C053A}"/>
               </a:ext>
             </a:extLst>
           </p:cNvPr>
@@ -9599,10 +9637,6 @@
               <a:rPr lang="es-MX" dirty="0" err="1"/>
               <a:t>Neighbors</a:t>
             </a:r>
-            <a:r>
-              <a:rPr lang="es-MX" dirty="0"/>
-              <a:t/>
-            </a:r>
             <a:br>
               <a:rPr lang="es-MX" dirty="0"/>
             </a:br>
@@ -9629,46 +9663,46 @@
           <a:lstStyle/>
           <a:p>
             <a:r>
-              <a:rPr lang="es-MX" dirty="0" smtClean="0"/>
+              <a:rPr lang="es-MX" dirty="0"/>
               <a:t>Definimos una medida de distancia adecuada para las observaciones.</a:t>
             </a:r>
           </a:p>
           <a:p>
             <a:r>
-              <a:rPr lang="es-MX" dirty="0" smtClean="0"/>
+              <a:rPr lang="es-MX" dirty="0"/>
               <a:t>Calculamos la distancia entre la nueva observación X0 que queremos clasificar  y las observaciones que tenemos en nuestra matriz de datos.</a:t>
             </a:r>
           </a:p>
           <a:p>
             <a:r>
-              <a:rPr lang="es-MX" dirty="0" smtClean="0"/>
+              <a:rPr lang="es-MX" dirty="0"/>
               <a:t>Seleccionamos las k observaciones más cercanas a </a:t>
             </a:r>
             <a:r>
-              <a:rPr lang="es-MX" dirty="0" err="1" smtClean="0"/>
+              <a:rPr lang="es-MX" dirty="0" err="1"/>
               <a:t>Xo</a:t>
             </a:r>
             <a:r>
-              <a:rPr lang="es-MX" dirty="0" smtClean="0"/>
+              <a:rPr lang="es-MX" dirty="0"/>
               <a:t> y miramos a que grupo pertenece.</a:t>
             </a:r>
           </a:p>
           <a:p>
             <a:r>
-              <a:rPr lang="es-MX" dirty="0" smtClean="0"/>
+              <a:rPr lang="es-MX" dirty="0"/>
               <a:t>Clasificamos a </a:t>
             </a:r>
             <a:r>
-              <a:rPr lang="es-MX" dirty="0" err="1" smtClean="0"/>
+              <a:rPr lang="es-MX" dirty="0" err="1"/>
               <a:t>Xo</a:t>
             </a:r>
             <a:r>
-              <a:rPr lang="es-MX" dirty="0" smtClean="0"/>
+              <a:rPr lang="es-MX" dirty="0"/>
               <a:t> en la población a la que pertenece una mayor proporción de sus k vecinos.</a:t>
             </a:r>
           </a:p>
           <a:p>
-            <a:endParaRPr lang="es-MX" dirty="0" smtClean="0"/>
+            <a:endParaRPr lang="es-MX" dirty="0"/>
           </a:p>
         </p:txBody>
       </p:sp>
@@ -9707,7 +9741,7 @@
           <p:cNvPr id="2" name="Título 1">
             <a:extLst>
               <a:ext uri="{FF2B5EF4-FFF2-40B4-BE49-F238E27FC236}">
-                <a16:creationId xmlns:a16="http://schemas.microsoft.com/office/drawing/2014/main" xmlns="" id="{7F1F3946-932A-4A7C-9C8E-37F6A4AEDA12}"/>
+                <a16:creationId xmlns:a16="http://schemas.microsoft.com/office/drawing/2014/main" id="{7F1F3946-932A-4A7C-9C8E-37F6A4AEDA12}"/>
               </a:ext>
             </a:extLst>
           </p:cNvPr>
@@ -9724,7 +9758,7 @@
           <a:lstStyle/>
           <a:p>
             <a:r>
-              <a:rPr lang="es-MX" sz="4400" dirty="0" smtClean="0"/>
+              <a:rPr lang="es-MX" sz="4400" dirty="0"/>
               <a:t>Clases Balanceadas</a:t>
             </a:r>
             <a:endParaRPr lang="es-MX" dirty="0"/>
@@ -9736,7 +9770,7 @@
           <p:cNvPr id="3" name="Marcador de contenido 2">
             <a:extLst>
               <a:ext uri="{FF2B5EF4-FFF2-40B4-BE49-F238E27FC236}">
-                <a16:creationId xmlns:a16="http://schemas.microsoft.com/office/drawing/2014/main" xmlns="" id="{2E484BF1-CB8A-49EB-A2D6-67A2747B58DF}"/>
+                <a16:creationId xmlns:a16="http://schemas.microsoft.com/office/drawing/2014/main" id="{2E484BF1-CB8A-49EB-A2D6-67A2747B58DF}"/>
               </a:ext>
             </a:extLst>
           </p:cNvPr>
@@ -9753,57 +9787,52 @@
           <a:lstStyle/>
           <a:p>
             <a:r>
-              <a:rPr lang="es-MX" dirty="0" smtClean="0"/>
+              <a:rPr lang="es-MX" dirty="0"/>
               <a:t>Notemos que KNN no tiene en cuenta los números de observaciones en cada grupo ni las probabilidades de pertenencia a cada grupo.</a:t>
             </a:r>
           </a:p>
           <a:p>
             <a:r>
-              <a:rPr lang="es-MX" dirty="0" smtClean="0"/>
+              <a:rPr lang="es-MX" dirty="0"/>
               <a:t>Si las clases no están balanceadas, por ejemplo, una o más clases tiene mucho más elementos que otra clase, KNN al igual que otros métodos de clasificación, puede sesgarse y clasificar las nuevas observaciones hacia las poblaciones más grandes.</a:t>
             </a:r>
           </a:p>
           <a:p>
             <a:r>
-              <a:rPr lang="es-MX" dirty="0" smtClean="0"/>
+              <a:rPr lang="es-MX" dirty="0"/>
               <a:t>En estos casos se suele </a:t>
             </a:r>
             <a:r>
-              <a:rPr lang="es-MX" dirty="0" err="1" smtClean="0"/>
+              <a:rPr lang="es-MX" dirty="0" err="1"/>
               <a:t>rebalancear</a:t>
             </a:r>
             <a:r>
-              <a:rPr lang="es-MX" dirty="0" smtClean="0"/>
+              <a:rPr lang="es-MX" dirty="0"/>
               <a:t> las clases:</a:t>
             </a:r>
           </a:p>
           <a:p>
             <a:pPr lvl="1"/>
             <a:r>
-              <a:rPr lang="es-MX" dirty="0" smtClean="0"/>
+              <a:rPr lang="es-MX" dirty="0"/>
               <a:t>Añadir copias </a:t>
             </a:r>
             <a:r>
-              <a:rPr lang="es-MX" dirty="0" err="1" smtClean="0"/>
+              <a:rPr lang="es-MX" dirty="0" err="1"/>
               <a:t>muestrales</a:t>
             </a:r>
             <a:r>
-              <a:rPr lang="es-MX" dirty="0" smtClean="0"/>
+              <a:rPr lang="es-MX" dirty="0"/>
               <a:t> de observaciones seleccionadas aleatoriamente de las poblaciones con menor representación (</a:t>
             </a:r>
             <a:r>
-              <a:rPr lang="es-MX" dirty="0" err="1" smtClean="0"/>
-              <a:t>oversamplin</a:t>
-            </a:r>
-            <a:r>
-              <a:rPr lang="es-MX" dirty="0" err="1" smtClean="0"/>
-              <a:t>g</a:t>
-            </a:r>
-            <a:r>
-              <a:rPr lang="es-MX" dirty="0" smtClean="0"/>
+              <a:rPr lang="es-MX" dirty="0" err="1"/>
+              <a:t>oversampling</a:t>
+            </a:r>
+            <a:r>
+              <a:rPr lang="es-MX" dirty="0"/>
               <a:t>).</a:t>
             </a:r>
-            <a:endParaRPr lang="es-MX" dirty="0"/>
           </a:p>
           <a:p>
             <a:endParaRPr lang="es-MX" dirty="0"/>
@@ -9853,10 +9882,10 @@
           <p:cNvPr id="8" name="Rectangle 7">
             <a:extLst>
               <a:ext uri="{FF2B5EF4-FFF2-40B4-BE49-F238E27FC236}">
-                <a16:creationId xmlns:a16="http://schemas.microsoft.com/office/drawing/2014/main" xmlns="" id="{74CD14DB-BB81-479F-A1FC-1C75640E9F84}"/>
+                <a16:creationId xmlns:a16="http://schemas.microsoft.com/office/drawing/2014/main" id="{74CD14DB-BB81-479F-A1FC-1C75640E9F84}"/>
               </a:ext>
               <a:ext uri="{C183D7F6-B498-43B3-948B-1728B52AA6E4}">
-                <adec:decorative xmlns:adec="http://schemas.microsoft.com/office/drawing/2017/decorative" xmlns="" val="1"/>
+                <adec:decorative xmlns:adec="http://schemas.microsoft.com/office/drawing/2017/decorative" val="1"/>
               </a:ext>
             </a:extLst>
           </p:cNvPr>
@@ -9866,7 +9895,7 @@
           <p:nvPr>
             <p:extLst>
               <p:ext uri="{386F3935-93C4-4BCD-93E2-E3B085C9AB24}">
-                <p16:designElem xmlns:p16="http://schemas.microsoft.com/office/powerpoint/2015/main" xmlns="" val="1"/>
+                <p16:designElem xmlns:p16="http://schemas.microsoft.com/office/powerpoint/2015/main" val="1"/>
               </p:ext>
             </p:extLst>
           </p:nvPr>
@@ -9942,10 +9971,10 @@
           <p:cNvPr id="10" name="Rectangle 9">
             <a:extLst>
               <a:ext uri="{FF2B5EF4-FFF2-40B4-BE49-F238E27FC236}">
-                <a16:creationId xmlns:a16="http://schemas.microsoft.com/office/drawing/2014/main" xmlns="" id="{C943A91B-7CA7-4592-A975-73B1BF8C4C74}"/>
+                <a16:creationId xmlns:a16="http://schemas.microsoft.com/office/drawing/2014/main" id="{C943A91B-7CA7-4592-A975-73B1BF8C4C74}"/>
               </a:ext>
               <a:ext uri="{C183D7F6-B498-43B3-948B-1728B52AA6E4}">
-                <adec:decorative xmlns:adec="http://schemas.microsoft.com/office/drawing/2017/decorative" xmlns="" val="1"/>
+                <adec:decorative xmlns:adec="http://schemas.microsoft.com/office/drawing/2017/decorative" val="1"/>
               </a:ext>
             </a:extLst>
           </p:cNvPr>
@@ -9955,7 +9984,7 @@
           <p:nvPr>
             <p:extLst>
               <p:ext uri="{386F3935-93C4-4BCD-93E2-E3B085C9AB24}">
-                <p16:designElem xmlns:p16="http://schemas.microsoft.com/office/powerpoint/2015/main" xmlns="" val="1"/>
+                <p16:designElem xmlns:p16="http://schemas.microsoft.com/office/powerpoint/2015/main" val="1"/>
               </p:ext>
             </p:extLst>
           </p:nvPr>
@@ -9995,10 +10024,10 @@
           <p:cNvPr id="12" name="Freeform 7">
             <a:extLst>
               <a:ext uri="{FF2B5EF4-FFF2-40B4-BE49-F238E27FC236}">
-                <a16:creationId xmlns:a16="http://schemas.microsoft.com/office/drawing/2014/main" xmlns="" id="{EC471314-E46A-414B-8D91-74880E84F187}"/>
+                <a16:creationId xmlns:a16="http://schemas.microsoft.com/office/drawing/2014/main" id="{EC471314-E46A-414B-8D91-74880E84F187}"/>
               </a:ext>
               <a:ext uri="{C183D7F6-B498-43B3-948B-1728B52AA6E4}">
-                <adec:decorative xmlns:adec="http://schemas.microsoft.com/office/drawing/2017/decorative" xmlns="" val="1"/>
+                <adec:decorative xmlns:adec="http://schemas.microsoft.com/office/drawing/2017/decorative" val="1"/>
               </a:ext>
             </a:extLst>
           </p:cNvPr>
@@ -10008,7 +10037,7 @@
           <p:nvPr>
             <p:extLst>
               <p:ext uri="{386F3935-93C4-4BCD-93E2-E3B085C9AB24}">
-                <p16:designElem xmlns:p16="http://schemas.microsoft.com/office/powerpoint/2015/main" xmlns="" val="1"/>
+                <p16:designElem xmlns:p16="http://schemas.microsoft.com/office/powerpoint/2015/main" val="1"/>
               </p:ext>
             </p:extLst>
           </p:nvPr>
@@ -10384,10 +10413,10 @@
           <p:cNvPr id="14" name="Freeform: Shape 13">
             <a:extLst>
               <a:ext uri="{FF2B5EF4-FFF2-40B4-BE49-F238E27FC236}">
-                <a16:creationId xmlns:a16="http://schemas.microsoft.com/office/drawing/2014/main" xmlns="" id="{6A681326-1C9D-44A3-A627-3871BDAE4127}"/>
+                <a16:creationId xmlns:a16="http://schemas.microsoft.com/office/drawing/2014/main" id="{6A681326-1C9D-44A3-A627-3871BDAE4127}"/>
               </a:ext>
               <a:ext uri="{C183D7F6-B498-43B3-948B-1728B52AA6E4}">
-                <adec:decorative xmlns:adec="http://schemas.microsoft.com/office/drawing/2017/decorative" xmlns="" val="1"/>
+                <adec:decorative xmlns:adec="http://schemas.microsoft.com/office/drawing/2017/decorative" val="1"/>
               </a:ext>
             </a:extLst>
           </p:cNvPr>
@@ -10397,7 +10426,7 @@
           <p:nvPr>
             <p:extLst>
               <p:ext uri="{386F3935-93C4-4BCD-93E2-E3B085C9AB24}">
-                <p16:designElem xmlns:p16="http://schemas.microsoft.com/office/powerpoint/2015/main" xmlns="" val="1"/>
+                <p16:designElem xmlns:p16="http://schemas.microsoft.com/office/powerpoint/2015/main" val="1"/>
               </p:ext>
             </p:extLst>
           </p:nvPr>
@@ -10847,7 +10876,7 @@
           <p:cNvPr id="2" name="Título 1">
             <a:extLst>
               <a:ext uri="{FF2B5EF4-FFF2-40B4-BE49-F238E27FC236}">
-                <a16:creationId xmlns:a16="http://schemas.microsoft.com/office/drawing/2014/main" xmlns="" id="{E30299EF-0FC2-41F6-A02D-280007FD4384}"/>
+                <a16:creationId xmlns:a16="http://schemas.microsoft.com/office/drawing/2014/main" id="{E30299EF-0FC2-41F6-A02D-280007FD4384}"/>
               </a:ext>
             </a:extLst>
           </p:cNvPr>
@@ -10886,7 +10915,7 @@
           <p:cNvPr id="7" name="Marcador de contenido 6" descr="Gráfico, Gráfico de dispersión&#10;&#10;Descripción generada automáticamente">
             <a:extLst>
               <a:ext uri="{FF2B5EF4-FFF2-40B4-BE49-F238E27FC236}">
-                <a16:creationId xmlns:a16="http://schemas.microsoft.com/office/drawing/2014/main" xmlns="" id="{E4749E5D-75B4-4BE3-BE71-58C5E5B950D0}"/>
+                <a16:creationId xmlns:a16="http://schemas.microsoft.com/office/drawing/2014/main" id="{E4749E5D-75B4-4BE3-BE71-58C5E5B950D0}"/>
               </a:ext>
             </a:extLst>
           </p:cNvPr>
@@ -10951,7 +10980,7 @@
           <p:cNvPr id="2" name="Título 1">
             <a:extLst>
               <a:ext uri="{FF2B5EF4-FFF2-40B4-BE49-F238E27FC236}">
-                <a16:creationId xmlns:a16="http://schemas.microsoft.com/office/drawing/2014/main" xmlns="" id="{E30299EF-0FC2-41F6-A02D-280007FD4384}"/>
+                <a16:creationId xmlns:a16="http://schemas.microsoft.com/office/drawing/2014/main" id="{E30299EF-0FC2-41F6-A02D-280007FD4384}"/>
               </a:ext>
             </a:extLst>
           </p:cNvPr>
@@ -10979,7 +11008,7 @@
           <p:cNvPr id="3" name="Marcador de contenido 2">
             <a:extLst>
               <a:ext uri="{FF2B5EF4-FFF2-40B4-BE49-F238E27FC236}">
-                <a16:creationId xmlns:a16="http://schemas.microsoft.com/office/drawing/2014/main" xmlns="" id="{23830383-0F20-412A-8015-AFA0FFE4918A}"/>
+                <a16:creationId xmlns:a16="http://schemas.microsoft.com/office/drawing/2014/main" id="{23830383-0F20-412A-8015-AFA0FFE4918A}"/>
               </a:ext>
             </a:extLst>
           </p:cNvPr>
@@ -11028,7 +11057,6 @@
               <a:rPr lang="es-MX" dirty="0"/>
               <a:t>.</a:t>
             </a:r>
-            <a:endParaRPr lang="es-MX" dirty="0"/>
           </a:p>
         </p:txBody>
       </p:sp>
@@ -11091,7 +11119,7 @@
           <p:cNvPr id="2" name="Título 1">
             <a:extLst>
               <a:ext uri="{FF2B5EF4-FFF2-40B4-BE49-F238E27FC236}">
-                <a16:creationId xmlns:a16="http://schemas.microsoft.com/office/drawing/2014/main" xmlns="" id="{E30299EF-0FC2-41F6-A02D-280007FD4384}"/>
+                <a16:creationId xmlns:a16="http://schemas.microsoft.com/office/drawing/2014/main" id="{E30299EF-0FC2-41F6-A02D-280007FD4384}"/>
               </a:ext>
             </a:extLst>
           </p:cNvPr>
@@ -11108,10 +11136,9 @@
           <a:lstStyle/>
           <a:p>
             <a:r>
-              <a:rPr lang="es-MX" dirty="0" smtClean="0"/>
+              <a:rPr lang="es-MX" dirty="0"/>
               <a:t>¿Por qué aplicar una Regresión logística?</a:t>
             </a:r>
-            <a:endParaRPr lang="es-MX" dirty="0"/>
           </a:p>
         </p:txBody>
       </p:sp>
@@ -11120,7 +11147,7 @@
           <p:cNvPr id="3" name="Marcador de contenido 2">
             <a:extLst>
               <a:ext uri="{FF2B5EF4-FFF2-40B4-BE49-F238E27FC236}">
-                <a16:creationId xmlns:a16="http://schemas.microsoft.com/office/drawing/2014/main" xmlns="" id="{23830383-0F20-412A-8015-AFA0FFE4918A}"/>
+                <a16:creationId xmlns:a16="http://schemas.microsoft.com/office/drawing/2014/main" id="{23830383-0F20-412A-8015-AFA0FFE4918A}"/>
               </a:ext>
             </a:extLst>
           </p:cNvPr>
@@ -11144,7 +11171,7 @@
           <a:lstStyle/>
           <a:p>
             <a:r>
-              <a:rPr lang="es-MX" dirty="0" smtClean="0"/>
+              <a:rPr lang="es-MX" dirty="0"/>
               <a:t>La regresión lineal no ajusta bien a los problemas donde solo hay dos valores.</a:t>
             </a:r>
           </a:p>
@@ -11153,7 +11180,6 @@
               <a:rPr lang="es-MX" dirty="0"/>
               <a:t>Para el mejor ajuste de los conjuntos de datos categóricos, se requiere una curva que es posible con la ayuda de la regresión logística, ya que utiliza una función sigmoidea para hacer predicciones.</a:t>
             </a:r>
-            <a:endParaRPr lang="es-MX" dirty="0"/>
           </a:p>
         </p:txBody>
       </p:sp>
@@ -11216,7 +11242,7 @@
           <p:cNvPr id="2" name="Título 1">
             <a:extLst>
               <a:ext uri="{FF2B5EF4-FFF2-40B4-BE49-F238E27FC236}">
-                <a16:creationId xmlns:a16="http://schemas.microsoft.com/office/drawing/2014/main" xmlns="" id="{E30299EF-0FC2-41F6-A02D-280007FD4384}"/>
+                <a16:creationId xmlns:a16="http://schemas.microsoft.com/office/drawing/2014/main" id="{E30299EF-0FC2-41F6-A02D-280007FD4384}"/>
               </a:ext>
             </a:extLst>
           </p:cNvPr>
@@ -11233,12 +11259,8 @@
           <a:lstStyle/>
           <a:p>
             <a:r>
-              <a:rPr lang="es-MX" dirty="0" smtClean="0"/>
-              <a:t>Matemáticas Regresión </a:t>
-            </a:r>
-            <a:r>
               <a:rPr lang="es-MX" dirty="0"/>
-              <a:t>Logística</a:t>
+              <a:t>Matemáticas Regresión Logística</a:t>
             </a:r>
           </a:p>
         </p:txBody>
@@ -11320,11 +11342,7 @@
             </a:pPr>
             <a:r>
               <a:rPr lang="es-MX" dirty="0"/>
-              <a:t>La razón principal detrás de la flexión de la curva de regresión logística es que se calcula utilizando una función sigmoidea (también conocida como función logística porque se utiliza en regresión logística) que se indica a </a:t>
-            </a:r>
-            <a:r>
-              <a:rPr lang="es-MX" dirty="0" smtClean="0"/>
-              <a:t>continuación</a:t>
+              <a:t>La razón principal detrás de la flexión de la curva de regresión logística es que se calcula utilizando una función sigmoidea (también conocida como función logística porque se utiliza en regresión logística) que se indica a continuación</a:t>
             </a:r>
           </a:p>
           <a:p>
@@ -11332,7 +11350,7 @@
               <a:buFont typeface="Wingdings" panose="05000000000000000000" pitchFamily="2" charset="2"/>
               <a:buChar char="ü"/>
             </a:pPr>
-            <a:endParaRPr lang="es-MX" dirty="0" smtClean="0"/>
+            <a:endParaRPr lang="es-MX" dirty="0"/>
           </a:p>
           <a:p>
             <a:pPr marL="285750" indent="-285750">
@@ -11381,7 +11399,7 @@
           <p:cNvPr id="2" name="Título 1">
             <a:extLst>
               <a:ext uri="{FF2B5EF4-FFF2-40B4-BE49-F238E27FC236}">
-                <a16:creationId xmlns:a16="http://schemas.microsoft.com/office/drawing/2014/main" xmlns="" id="{E30299EF-0FC2-41F6-A02D-280007FD4384}"/>
+                <a16:creationId xmlns:a16="http://schemas.microsoft.com/office/drawing/2014/main" id="{E30299EF-0FC2-41F6-A02D-280007FD4384}"/>
               </a:ext>
             </a:extLst>
           </p:cNvPr>
@@ -11398,12 +11416,8 @@
           <a:lstStyle/>
           <a:p>
             <a:r>
-              <a:rPr lang="es-MX" dirty="0" smtClean="0"/>
-              <a:t>Tres tipos de  Regresión </a:t>
-            </a:r>
-            <a:r>
               <a:rPr lang="es-MX" dirty="0"/>
-              <a:t>Logística</a:t>
+              <a:t>Tres tipos de  Regresión Logística</a:t>
             </a:r>
           </a:p>
         </p:txBody>
@@ -11434,7 +11448,7 @@
               <a:buChar char="ü"/>
             </a:pPr>
             <a:r>
-              <a:rPr lang="es-MX" dirty="0" smtClean="0"/>
+              <a:rPr lang="es-MX" dirty="0"/>
               <a:t>Binomial – regresión logística en la cual la variable objetivo solo tiene dos posibles valores, 0 o 1, Blanco o negro.</a:t>
             </a:r>
           </a:p>
@@ -11443,7 +11457,7 @@
               <a:buFont typeface="Wingdings" panose="05000000000000000000" pitchFamily="2" charset="2"/>
               <a:buChar char="ü"/>
             </a:pPr>
-            <a:endParaRPr lang="es-MX" dirty="0" smtClean="0"/>
+            <a:endParaRPr lang="es-MX" dirty="0"/>
           </a:p>
           <a:p>
             <a:pPr marL="285750" indent="-285750">
@@ -11451,7 +11465,7 @@
               <a:buChar char="ü"/>
             </a:pPr>
             <a:r>
-              <a:rPr lang="es-MX" dirty="0" smtClean="0"/>
+              <a:rPr lang="es-MX" dirty="0"/>
               <a:t>Ordinal – Regresión Logística en la cual la variable objetivo puede tomar más de 3 valores, sin tener contemplado un orden. Esos valores no tienen significancia numérica.</a:t>
             </a:r>
           </a:p>
@@ -11460,7 +11474,7 @@
               <a:buFont typeface="Wingdings" panose="05000000000000000000" pitchFamily="2" charset="2"/>
               <a:buChar char="ü"/>
             </a:pPr>
-            <a:endParaRPr lang="es-MX" dirty="0" smtClean="0"/>
+            <a:endParaRPr lang="es-MX" dirty="0"/>
           </a:p>
           <a:p>
             <a:pPr marL="285750" indent="-285750">
@@ -11468,14 +11482,13 @@
               <a:buChar char="ü"/>
             </a:pPr>
             <a:r>
-              <a:rPr lang="es-MX" dirty="0" err="1" smtClean="0"/>
+              <a:rPr lang="es-MX" dirty="0" err="1"/>
               <a:t>Multinomial</a:t>
             </a:r>
             <a:r>
-              <a:rPr lang="es-MX" dirty="0" smtClean="0"/>
+              <a:rPr lang="es-MX" dirty="0"/>
               <a:t> – es del tipo ordinal, pero con la variable objetivo ordenada.</a:t>
             </a:r>
-            <a:endParaRPr lang="es-MX" dirty="0"/>
           </a:p>
         </p:txBody>
       </p:sp>
@@ -11522,10 +11535,10 @@
           <p:cNvPr id="11" name="Rectangle 10">
             <a:extLst>
               <a:ext uri="{FF2B5EF4-FFF2-40B4-BE49-F238E27FC236}">
-                <a16:creationId xmlns:a16="http://schemas.microsoft.com/office/drawing/2014/main" xmlns="" id="{B4AAD3FD-83A5-4B89-9F8F-01B8870865BE}"/>
+                <a16:creationId xmlns:a16="http://schemas.microsoft.com/office/drawing/2014/main" id="{B4AAD3FD-83A5-4B89-9F8F-01B8870865BE}"/>
               </a:ext>
               <a:ext uri="{C183D7F6-B498-43B3-948B-1728B52AA6E4}">
-                <adec:decorative xmlns:adec="http://schemas.microsoft.com/office/drawing/2017/decorative" xmlns="" val="1"/>
+                <adec:decorative xmlns:adec="http://schemas.microsoft.com/office/drawing/2017/decorative" val="1"/>
               </a:ext>
             </a:extLst>
           </p:cNvPr>
@@ -11535,7 +11548,7 @@
           <p:nvPr>
             <p:extLst>
               <p:ext uri="{386F3935-93C4-4BCD-93E2-E3B085C9AB24}">
-                <p16:designElem xmlns:p16="http://schemas.microsoft.com/office/powerpoint/2015/main" xmlns="" val="1"/>
+                <p16:designElem xmlns:p16="http://schemas.microsoft.com/office/powerpoint/2015/main" val="1"/>
               </p:ext>
             </p:extLst>
           </p:nvPr>
@@ -11582,7 +11595,7 @@
           <p:cNvPr id="2" name="Título 1">
             <a:extLst>
               <a:ext uri="{FF2B5EF4-FFF2-40B4-BE49-F238E27FC236}">
-                <a16:creationId xmlns:a16="http://schemas.microsoft.com/office/drawing/2014/main" xmlns="" id="{E30299EF-0FC2-41F6-A02D-280007FD4384}"/>
+                <a16:creationId xmlns:a16="http://schemas.microsoft.com/office/drawing/2014/main" id="{E30299EF-0FC2-41F6-A02D-280007FD4384}"/>
               </a:ext>
             </a:extLst>
           </p:cNvPr>
@@ -11626,10 +11639,10 @@
           <p:cNvPr id="13" name="Freeform 31">
             <a:extLst>
               <a:ext uri="{FF2B5EF4-FFF2-40B4-BE49-F238E27FC236}">
-                <a16:creationId xmlns:a16="http://schemas.microsoft.com/office/drawing/2014/main" xmlns="" id="{61752F1D-FC0F-4103-9584-630E643CCDA6}"/>
+                <a16:creationId xmlns:a16="http://schemas.microsoft.com/office/drawing/2014/main" id="{61752F1D-FC0F-4103-9584-630E643CCDA6}"/>
               </a:ext>
               <a:ext uri="{C183D7F6-B498-43B3-948B-1728B52AA6E4}">
-                <adec:decorative xmlns:adec="http://schemas.microsoft.com/office/drawing/2017/decorative" xmlns="" val="1"/>
+                <adec:decorative xmlns:adec="http://schemas.microsoft.com/office/drawing/2017/decorative" val="1"/>
               </a:ext>
             </a:extLst>
           </p:cNvPr>
@@ -11639,7 +11652,7 @@
           <p:nvPr>
             <p:extLst>
               <p:ext uri="{386F3935-93C4-4BCD-93E2-E3B085C9AB24}">
-                <p16:designElem xmlns:p16="http://schemas.microsoft.com/office/powerpoint/2015/main" xmlns="" val="1"/>
+                <p16:designElem xmlns:p16="http://schemas.microsoft.com/office/powerpoint/2015/main" val="1"/>
               </p:ext>
             </p:extLst>
           </p:nvPr>
@@ -11978,10 +11991,10 @@
           <p:cNvPr id="15" name="Freeform: Shape 14">
             <a:extLst>
               <a:ext uri="{FF2B5EF4-FFF2-40B4-BE49-F238E27FC236}">
-                <a16:creationId xmlns:a16="http://schemas.microsoft.com/office/drawing/2014/main" xmlns="" id="{70151CB7-E7DE-4917-B831-01DF9CE01306}"/>
+                <a16:creationId xmlns:a16="http://schemas.microsoft.com/office/drawing/2014/main" id="{70151CB7-E7DE-4917-B831-01DF9CE01306}"/>
               </a:ext>
               <a:ext uri="{C183D7F6-B498-43B3-948B-1728B52AA6E4}">
-                <adec:decorative xmlns:adec="http://schemas.microsoft.com/office/drawing/2017/decorative" xmlns="" val="1"/>
+                <adec:decorative xmlns:adec="http://schemas.microsoft.com/office/drawing/2017/decorative" val="1"/>
               </a:ext>
             </a:extLst>
           </p:cNvPr>
@@ -11991,7 +12004,7 @@
           <p:nvPr>
             <p:extLst>
               <p:ext uri="{386F3935-93C4-4BCD-93E2-E3B085C9AB24}">
-                <p16:designElem xmlns:p16="http://schemas.microsoft.com/office/powerpoint/2015/main" xmlns="" val="1"/>
+                <p16:designElem xmlns:p16="http://schemas.microsoft.com/office/powerpoint/2015/main" val="1"/>
               </p:ext>
             </p:extLst>
           </p:nvPr>
@@ -12441,7 +12454,7 @@
           <p:cNvPr id="6" name="Imagen 5">
             <a:extLst>
               <a:ext uri="{FF2B5EF4-FFF2-40B4-BE49-F238E27FC236}">
-                <a16:creationId xmlns:a16="http://schemas.microsoft.com/office/drawing/2014/main" xmlns="" id="{C891ED73-8012-49C2-B11B-D5CA1596B127}"/>
+                <a16:creationId xmlns:a16="http://schemas.microsoft.com/office/drawing/2014/main" id="{C891ED73-8012-49C2-B11B-D5CA1596B127}"/>
               </a:ext>
             </a:extLst>
           </p:cNvPr>
@@ -12472,10 +12485,10 @@
           <p:cNvPr id="17" name="Rectangle 16">
             <a:extLst>
               <a:ext uri="{FF2B5EF4-FFF2-40B4-BE49-F238E27FC236}">
-                <a16:creationId xmlns:a16="http://schemas.microsoft.com/office/drawing/2014/main" xmlns="" id="{A92A1116-1C84-41DF-B803-1F7B0883EC82}"/>
+                <a16:creationId xmlns:a16="http://schemas.microsoft.com/office/drawing/2014/main" id="{A92A1116-1C84-41DF-B803-1F7B0883EC82}"/>
               </a:ext>
               <a:ext uri="{C183D7F6-B498-43B3-948B-1728B52AA6E4}">
-                <adec:decorative xmlns:adec="http://schemas.microsoft.com/office/drawing/2017/decorative" xmlns="" val="1"/>
+                <adec:decorative xmlns:adec="http://schemas.microsoft.com/office/drawing/2017/decorative" val="1"/>
               </a:ext>
             </a:extLst>
           </p:cNvPr>
@@ -12485,7 +12498,7 @@
           <p:nvPr>
             <p:extLst>
               <p:ext uri="{386F3935-93C4-4BCD-93E2-E3B085C9AB24}">
-                <p16:designElem xmlns:p16="http://schemas.microsoft.com/office/powerpoint/2015/main" xmlns="" val="1"/>
+                <p16:designElem xmlns:p16="http://schemas.microsoft.com/office/powerpoint/2015/main" val="1"/>
               </p:ext>
             </p:extLst>
           </p:nvPr>
@@ -12525,7 +12538,7 @@
           <p:cNvPr id="3" name="Marcador de contenido 2">
             <a:extLst>
               <a:ext uri="{FF2B5EF4-FFF2-40B4-BE49-F238E27FC236}">
-                <a16:creationId xmlns:a16="http://schemas.microsoft.com/office/drawing/2014/main" xmlns="" id="{23830383-0F20-412A-8015-AFA0FFE4918A}"/>
+                <a16:creationId xmlns:a16="http://schemas.microsoft.com/office/drawing/2014/main" id="{23830383-0F20-412A-8015-AFA0FFE4918A}"/>
               </a:ext>
             </a:extLst>
           </p:cNvPr>
@@ -12834,7 +12847,7 @@
           <p:cNvPr id="2" name="Título 1">
             <a:extLst>
               <a:ext uri="{FF2B5EF4-FFF2-40B4-BE49-F238E27FC236}">
-                <a16:creationId xmlns:a16="http://schemas.microsoft.com/office/drawing/2014/main" xmlns="" id="{E30299EF-0FC2-41F6-A02D-280007FD4384}"/>
+                <a16:creationId xmlns:a16="http://schemas.microsoft.com/office/drawing/2014/main" id="{E30299EF-0FC2-41F6-A02D-280007FD4384}"/>
               </a:ext>
             </a:extLst>
           </p:cNvPr>
@@ -12862,7 +12875,7 @@
           <p:cNvPr id="3" name="Marcador de contenido 2">
             <a:extLst>
               <a:ext uri="{FF2B5EF4-FFF2-40B4-BE49-F238E27FC236}">
-                <a16:creationId xmlns:a16="http://schemas.microsoft.com/office/drawing/2014/main" xmlns="" id="{23830383-0F20-412A-8015-AFA0FFE4918A}"/>
+                <a16:creationId xmlns:a16="http://schemas.microsoft.com/office/drawing/2014/main" id="{23830383-0F20-412A-8015-AFA0FFE4918A}"/>
               </a:ext>
             </a:extLst>
           </p:cNvPr>
@@ -12887,7 +12900,7 @@
           <p:cNvPr id="5" name="Imagen 4">
             <a:extLst>
               <a:ext uri="{FF2B5EF4-FFF2-40B4-BE49-F238E27FC236}">
-                <a16:creationId xmlns:a16="http://schemas.microsoft.com/office/drawing/2014/main" xmlns="" id="{36C0ACC4-2438-47F8-B331-5762C64C39C9}"/>
+                <a16:creationId xmlns:a16="http://schemas.microsoft.com/office/drawing/2014/main" id="{36C0ACC4-2438-47F8-B331-5762C64C39C9}"/>
               </a:ext>
             </a:extLst>
           </p:cNvPr>
@@ -12925,6 +12938,90 @@
 </p:sld>
 </file>
 
+<file path=ppt/slides/slide29.xml><?xml version="1.0" encoding="utf-8"?>
+<p:sld xmlns:a="http://schemas.openxmlformats.org/drawingml/2006/main" xmlns:r="http://schemas.openxmlformats.org/officeDocument/2006/relationships" xmlns:p="http://schemas.openxmlformats.org/presentationml/2006/main">
+  <p:cSld>
+    <p:spTree>
+      <p:nvGrpSpPr>
+        <p:cNvPr id="1" name=""/>
+        <p:cNvGrpSpPr/>
+        <p:nvPr/>
+      </p:nvGrpSpPr>
+      <p:grpSpPr>
+        <a:xfrm>
+          <a:off x="0" y="0"/>
+          <a:ext cx="0" cy="0"/>
+          <a:chOff x="0" y="0"/>
+          <a:chExt cx="0" cy="0"/>
+        </a:xfrm>
+      </p:grpSpPr>
+      <p:sp>
+        <p:nvSpPr>
+          <p:cNvPr id="2" name="Título 1">
+            <a:extLst>
+              <a:ext uri="{FF2B5EF4-FFF2-40B4-BE49-F238E27FC236}">
+                <a16:creationId xmlns:a16="http://schemas.microsoft.com/office/drawing/2014/main" id="{0729B861-B0B7-45A6-9003-8BF442AAF71E}"/>
+              </a:ext>
+            </a:extLst>
+          </p:cNvPr>
+          <p:cNvSpPr>
+            <a:spLocks noGrp="1"/>
+          </p:cNvSpPr>
+          <p:nvPr>
+            <p:ph type="title"/>
+          </p:nvPr>
+        </p:nvSpPr>
+        <p:spPr/>
+        <p:txBody>
+          <a:bodyPr/>
+          <a:lstStyle/>
+          <a:p>
+            <a:r>
+              <a:rPr lang="es-MX" dirty="0" err="1"/>
+              <a:t>An</a:t>
+            </a:r>
+            <a:endParaRPr lang="es-MX" dirty="0"/>
+          </a:p>
+        </p:txBody>
+      </p:sp>
+      <p:sp>
+        <p:nvSpPr>
+          <p:cNvPr id="3" name="Marcador de contenido 2">
+            <a:extLst>
+              <a:ext uri="{FF2B5EF4-FFF2-40B4-BE49-F238E27FC236}">
+                <a16:creationId xmlns:a16="http://schemas.microsoft.com/office/drawing/2014/main" id="{FE443BF7-FA36-43D9-B467-A0FC3FFCB086}"/>
+              </a:ext>
+            </a:extLst>
+          </p:cNvPr>
+          <p:cNvSpPr>
+            <a:spLocks noGrp="1"/>
+          </p:cNvSpPr>
+          <p:nvPr>
+            <p:ph idx="1"/>
+          </p:nvPr>
+        </p:nvSpPr>
+        <p:spPr/>
+        <p:txBody>
+          <a:bodyPr/>
+          <a:lstStyle/>
+          <a:p>
+            <a:endParaRPr lang="es-MX"/>
+          </a:p>
+        </p:txBody>
+      </p:sp>
+    </p:spTree>
+    <p:extLst>
+      <p:ext uri="{BB962C8B-B14F-4D97-AF65-F5344CB8AC3E}">
+        <p14:creationId xmlns:p14="http://schemas.microsoft.com/office/powerpoint/2010/main" val="1450379950"/>
+      </p:ext>
+    </p:extLst>
+  </p:cSld>
+  <p:clrMapOvr>
+    <a:masterClrMapping/>
+  </p:clrMapOvr>
+</p:sld>
+</file>
+
 <file path=ppt/slides/slide3.xml><?xml version="1.0" encoding="utf-8"?>
 <p:sld xmlns:a="http://schemas.openxmlformats.org/drawingml/2006/main" xmlns:r="http://schemas.openxmlformats.org/officeDocument/2006/relationships" xmlns:p="http://schemas.openxmlformats.org/presentationml/2006/main">
   <p:cSld>
@@ -12947,7 +13044,7 @@
           <p:cNvPr id="2" name="Título 1">
             <a:extLst>
               <a:ext uri="{FF2B5EF4-FFF2-40B4-BE49-F238E27FC236}">
-                <a16:creationId xmlns:a16="http://schemas.microsoft.com/office/drawing/2014/main" xmlns="" id="{ADDA5E69-DBC0-4051-B1A3-CE83220322E0}"/>
+                <a16:creationId xmlns:a16="http://schemas.microsoft.com/office/drawing/2014/main" id="{ADDA5E69-DBC0-4051-B1A3-CE83220322E0}"/>
               </a:ext>
             </a:extLst>
           </p:cNvPr>
@@ -12975,7 +13072,7 @@
           <p:cNvPr id="7" name="Imagen 6">
             <a:extLst>
               <a:ext uri="{FF2B5EF4-FFF2-40B4-BE49-F238E27FC236}">
-                <a16:creationId xmlns:a16="http://schemas.microsoft.com/office/drawing/2014/main" xmlns="" id="{0DADF1E6-A52C-4210-B83A-DE6E4081A24A}"/>
+                <a16:creationId xmlns:a16="http://schemas.microsoft.com/office/drawing/2014/main" id="{0DADF1E6-A52C-4210-B83A-DE6E4081A24A}"/>
               </a:ext>
             </a:extLst>
           </p:cNvPr>
@@ -13004,7 +13101,7 @@
           <p:cNvPr id="8" name="CuadroTexto 7">
             <a:extLst>
               <a:ext uri="{FF2B5EF4-FFF2-40B4-BE49-F238E27FC236}">
-                <a16:creationId xmlns:a16="http://schemas.microsoft.com/office/drawing/2014/main" xmlns="" id="{456EFE73-3689-462A-AAC4-FF08ECCB2D6E}"/>
+                <a16:creationId xmlns:a16="http://schemas.microsoft.com/office/drawing/2014/main" id="{456EFE73-3689-462A-AAC4-FF08ECCB2D6E}"/>
               </a:ext>
             </a:extLst>
           </p:cNvPr>
@@ -13028,18 +13125,14 @@
           <a:lstStyle/>
           <a:p>
             <a:r>
-              <a:rPr lang="es-MX" dirty="0" smtClean="0"/>
+              <a:rPr lang="es-MX" dirty="0"/>
               <a:t>ERROR TIPO II</a:t>
             </a:r>
           </a:p>
           <a:p>
             <a:r>
-              <a:rPr lang="es-MX" dirty="0" smtClean="0"/>
-              <a:t>Este </a:t>
-            </a:r>
-            <a:r>
               <a:rPr lang="es-MX" dirty="0"/>
-              <a:t>enfermo, pero el </a:t>
+              <a:t>Este enfermo, pero el </a:t>
             </a:r>
             <a:r>
               <a:rPr lang="es-MX" dirty="0" err="1"/>
@@ -13057,7 +13150,7 @@
           <p:cNvPr id="9" name="CuadroTexto 8">
             <a:extLst>
               <a:ext uri="{FF2B5EF4-FFF2-40B4-BE49-F238E27FC236}">
-                <a16:creationId xmlns:a16="http://schemas.microsoft.com/office/drawing/2014/main" xmlns="" id="{C14B024C-5250-4674-A0FE-D16736AA0D6E}"/>
+                <a16:creationId xmlns:a16="http://schemas.microsoft.com/office/drawing/2014/main" id="{C14B024C-5250-4674-A0FE-D16736AA0D6E}"/>
               </a:ext>
             </a:extLst>
           </p:cNvPr>
@@ -13081,18 +13174,14 @@
           <a:lstStyle/>
           <a:p>
             <a:r>
-              <a:rPr lang="es-MX" dirty="0" smtClean="0"/>
+              <a:rPr lang="es-MX" dirty="0"/>
               <a:t>ERROR TIPO I</a:t>
             </a:r>
           </a:p>
           <a:p>
             <a:r>
-              <a:rPr lang="es-MX" dirty="0" smtClean="0"/>
-              <a:t>Este </a:t>
-            </a:r>
-            <a:r>
               <a:rPr lang="es-MX" dirty="0"/>
-              <a:t>Sano, El Dr. Dice que está enfermo</a:t>
+              <a:t>Este Sano, El Dr. Dice que está enfermo</a:t>
             </a:r>
           </a:p>
         </p:txBody>
@@ -13132,7 +13221,7 @@
           <p:cNvPr id="2" name="Título 1">
             <a:extLst>
               <a:ext uri="{FF2B5EF4-FFF2-40B4-BE49-F238E27FC236}">
-                <a16:creationId xmlns:a16="http://schemas.microsoft.com/office/drawing/2014/main" xmlns="" id="{4574754B-95A6-4491-A657-F663462058C6}"/>
+                <a16:creationId xmlns:a16="http://schemas.microsoft.com/office/drawing/2014/main" id="{4574754B-95A6-4491-A657-F663462058C6}"/>
               </a:ext>
             </a:extLst>
           </p:cNvPr>
@@ -13165,7 +13254,7 @@
           <p:cNvPr id="3" name="Marcador de contenido 2">
             <a:extLst>
               <a:ext uri="{FF2B5EF4-FFF2-40B4-BE49-F238E27FC236}">
-                <a16:creationId xmlns:a16="http://schemas.microsoft.com/office/drawing/2014/main" xmlns="" id="{2B138180-103C-46E0-8831-C4BD99EEBE3F}"/>
+                <a16:creationId xmlns:a16="http://schemas.microsoft.com/office/drawing/2014/main" id="{2B138180-103C-46E0-8831-C4BD99EEBE3F}"/>
               </a:ext>
             </a:extLst>
           </p:cNvPr>
@@ -13222,7 +13311,7 @@
           <p:cNvPr id="5" name="Imagen 4">
             <a:extLst>
               <a:ext uri="{FF2B5EF4-FFF2-40B4-BE49-F238E27FC236}">
-                <a16:creationId xmlns:a16="http://schemas.microsoft.com/office/drawing/2014/main" xmlns="" id="{30B9A8E1-1C2C-4073-B21C-D85955FCDEF2}"/>
+                <a16:creationId xmlns:a16="http://schemas.microsoft.com/office/drawing/2014/main" id="{30B9A8E1-1C2C-4073-B21C-D85955FCDEF2}"/>
               </a:ext>
             </a:extLst>
           </p:cNvPr>
@@ -13306,10 +13395,10 @@
           <p:cNvPr id="14" name="Picture 13">
             <a:extLst>
               <a:ext uri="{FF2B5EF4-FFF2-40B4-BE49-F238E27FC236}">
-                <a16:creationId xmlns:a16="http://schemas.microsoft.com/office/drawing/2014/main" xmlns="" id="{412E3267-7ABE-412B-8580-47EC0D1F61FE}"/>
+                <a16:creationId xmlns:a16="http://schemas.microsoft.com/office/drawing/2014/main" id="{412E3267-7ABE-412B-8580-47EC0D1F61FE}"/>
               </a:ext>
               <a:ext uri="{C183D7F6-B498-43B3-948B-1728B52AA6E4}">
-                <adec:decorative xmlns:adec="http://schemas.microsoft.com/office/drawing/2017/decorative" xmlns="" val="1"/>
+                <adec:decorative xmlns:adec="http://schemas.microsoft.com/office/drawing/2017/decorative" val="1"/>
               </a:ext>
             </a:extLst>
           </p:cNvPr>
@@ -13319,7 +13408,7 @@
           <p:nvPr>
             <p:extLst>
               <p:ext uri="{386F3935-93C4-4BCD-93E2-E3B085C9AB24}">
-                <p16:designElem xmlns:p16="http://schemas.microsoft.com/office/powerpoint/2015/main" xmlns="" val="1"/>
+                <p16:designElem xmlns:p16="http://schemas.microsoft.com/office/powerpoint/2015/main" val="1"/>
               </p:ext>
             </p:extLst>
           </p:nvPr>
@@ -13350,10 +13439,10 @@
           <p:cNvPr id="16" name="Picture 15">
             <a:extLst>
               <a:ext uri="{FF2B5EF4-FFF2-40B4-BE49-F238E27FC236}">
-                <a16:creationId xmlns:a16="http://schemas.microsoft.com/office/drawing/2014/main" xmlns="" id="{20B62C5A-2250-4380-AB23-DB87446CCED0}"/>
+                <a16:creationId xmlns:a16="http://schemas.microsoft.com/office/drawing/2014/main" id="{20B62C5A-2250-4380-AB23-DB87446CCED0}"/>
               </a:ext>
               <a:ext uri="{C183D7F6-B498-43B3-948B-1728B52AA6E4}">
-                <adec:decorative xmlns:adec="http://schemas.microsoft.com/office/drawing/2017/decorative" xmlns="" val="1"/>
+                <adec:decorative xmlns:adec="http://schemas.microsoft.com/office/drawing/2017/decorative" val="1"/>
               </a:ext>
             </a:extLst>
           </p:cNvPr>
@@ -13363,7 +13452,7 @@
           <p:nvPr>
             <p:extLst>
               <p:ext uri="{386F3935-93C4-4BCD-93E2-E3B085C9AB24}">
-                <p16:designElem xmlns:p16="http://schemas.microsoft.com/office/powerpoint/2015/main" xmlns="" val="1"/>
+                <p16:designElem xmlns:p16="http://schemas.microsoft.com/office/powerpoint/2015/main" val="1"/>
               </p:ext>
             </p:extLst>
           </p:nvPr>
@@ -13394,10 +13483,10 @@
           <p:cNvPr id="18" name="Oval 17">
             <a:extLst>
               <a:ext uri="{FF2B5EF4-FFF2-40B4-BE49-F238E27FC236}">
-                <a16:creationId xmlns:a16="http://schemas.microsoft.com/office/drawing/2014/main" xmlns="" id="{D42CF425-7213-4F89-B0FF-4C2BDDD9C680}"/>
+                <a16:creationId xmlns:a16="http://schemas.microsoft.com/office/drawing/2014/main" id="{D42CF425-7213-4F89-B0FF-4C2BDDD9C680}"/>
               </a:ext>
               <a:ext uri="{C183D7F6-B498-43B3-948B-1728B52AA6E4}">
-                <adec:decorative xmlns:adec="http://schemas.microsoft.com/office/drawing/2017/decorative" xmlns="" val="1"/>
+                <adec:decorative xmlns:adec="http://schemas.microsoft.com/office/drawing/2017/decorative" val="1"/>
               </a:ext>
             </a:extLst>
           </p:cNvPr>
@@ -13407,7 +13496,7 @@
           <p:nvPr>
             <p:extLst>
               <p:ext uri="{386F3935-93C4-4BCD-93E2-E3B085C9AB24}">
-                <p16:designElem xmlns:p16="http://schemas.microsoft.com/office/powerpoint/2015/main" xmlns="" val="1"/>
+                <p16:designElem xmlns:p16="http://schemas.microsoft.com/office/powerpoint/2015/main" val="1"/>
               </p:ext>
             </p:extLst>
           </p:nvPr>
@@ -13474,10 +13563,10 @@
           <p:cNvPr id="20" name="Picture 19">
             <a:extLst>
               <a:ext uri="{FF2B5EF4-FFF2-40B4-BE49-F238E27FC236}">
-                <a16:creationId xmlns:a16="http://schemas.microsoft.com/office/drawing/2014/main" xmlns="" id="{D35DA97D-88F8-4249-B650-4FC9FD50A382}"/>
+                <a16:creationId xmlns:a16="http://schemas.microsoft.com/office/drawing/2014/main" id="{D35DA97D-88F8-4249-B650-4FC9FD50A382}"/>
               </a:ext>
               <a:ext uri="{C183D7F6-B498-43B3-948B-1728B52AA6E4}">
-                <adec:decorative xmlns:adec="http://schemas.microsoft.com/office/drawing/2017/decorative" xmlns="" val="1"/>
+                <adec:decorative xmlns:adec="http://schemas.microsoft.com/office/drawing/2017/decorative" val="1"/>
               </a:ext>
             </a:extLst>
           </p:cNvPr>
@@ -13487,7 +13576,7 @@
           <p:nvPr>
             <p:extLst>
               <p:ext uri="{386F3935-93C4-4BCD-93E2-E3B085C9AB24}">
-                <p16:designElem xmlns:p16="http://schemas.microsoft.com/office/powerpoint/2015/main" xmlns="" val="1"/>
+                <p16:designElem xmlns:p16="http://schemas.microsoft.com/office/powerpoint/2015/main" val="1"/>
               </p:ext>
             </p:extLst>
           </p:nvPr>
@@ -13518,10 +13607,10 @@
           <p:cNvPr id="22" name="Picture 21">
             <a:extLst>
               <a:ext uri="{FF2B5EF4-FFF2-40B4-BE49-F238E27FC236}">
-                <a16:creationId xmlns:a16="http://schemas.microsoft.com/office/drawing/2014/main" xmlns="" id="{43F38673-6E30-4BAE-AC67-0B283EBF4291}"/>
+                <a16:creationId xmlns:a16="http://schemas.microsoft.com/office/drawing/2014/main" id="{43F38673-6E30-4BAE-AC67-0B283EBF4291}"/>
               </a:ext>
               <a:ext uri="{C183D7F6-B498-43B3-948B-1728B52AA6E4}">
-                <adec:decorative xmlns:adec="http://schemas.microsoft.com/office/drawing/2017/decorative" xmlns="" val="1"/>
+                <adec:decorative xmlns:adec="http://schemas.microsoft.com/office/drawing/2017/decorative" val="1"/>
               </a:ext>
             </a:extLst>
           </p:cNvPr>
@@ -13531,7 +13620,7 @@
           <p:nvPr>
             <p:extLst>
               <p:ext uri="{386F3935-93C4-4BCD-93E2-E3B085C9AB24}">
-                <p16:designElem xmlns:p16="http://schemas.microsoft.com/office/powerpoint/2015/main" xmlns="" val="1"/>
+                <p16:designElem xmlns:p16="http://schemas.microsoft.com/office/powerpoint/2015/main" val="1"/>
               </p:ext>
             </p:extLst>
           </p:nvPr>
@@ -13562,10 +13651,10 @@
           <p:cNvPr id="24" name="Rectangle 23">
             <a:extLst>
               <a:ext uri="{FF2B5EF4-FFF2-40B4-BE49-F238E27FC236}">
-                <a16:creationId xmlns:a16="http://schemas.microsoft.com/office/drawing/2014/main" xmlns="" id="{202A25CB-1ED1-4C87-AB49-8D3BC684D1CE}"/>
+                <a16:creationId xmlns:a16="http://schemas.microsoft.com/office/drawing/2014/main" id="{202A25CB-1ED1-4C87-AB49-8D3BC684D1CE}"/>
               </a:ext>
               <a:ext uri="{C183D7F6-B498-43B3-948B-1728B52AA6E4}">
-                <adec:decorative xmlns:adec="http://schemas.microsoft.com/office/drawing/2017/decorative" xmlns="" val="1"/>
+                <adec:decorative xmlns:adec="http://schemas.microsoft.com/office/drawing/2017/decorative" val="1"/>
               </a:ext>
             </a:extLst>
           </p:cNvPr>
@@ -13575,7 +13664,7 @@
           <p:nvPr>
             <p:extLst>
               <p:ext uri="{386F3935-93C4-4BCD-93E2-E3B085C9AB24}">
-                <p16:designElem xmlns:p16="http://schemas.microsoft.com/office/powerpoint/2015/main" xmlns="" val="1"/>
+                <p16:designElem xmlns:p16="http://schemas.microsoft.com/office/powerpoint/2015/main" val="1"/>
               </p:ext>
             </p:extLst>
           </p:nvPr>
@@ -13615,7 +13704,7 @@
           <p:cNvPr id="2" name="Título 1">
             <a:extLst>
               <a:ext uri="{FF2B5EF4-FFF2-40B4-BE49-F238E27FC236}">
-                <a16:creationId xmlns:a16="http://schemas.microsoft.com/office/drawing/2014/main" xmlns="" id="{ADDA5E69-DBC0-4051-B1A3-CE83220322E0}"/>
+                <a16:creationId xmlns:a16="http://schemas.microsoft.com/office/drawing/2014/main" id="{ADDA5E69-DBC0-4051-B1A3-CE83220322E0}"/>
               </a:ext>
             </a:extLst>
           </p:cNvPr>
@@ -13650,10 +13739,10 @@
           <p:cNvPr id="26" name="Freeform: Shape 25">
             <a:extLst>
               <a:ext uri="{FF2B5EF4-FFF2-40B4-BE49-F238E27FC236}">
-                <a16:creationId xmlns:a16="http://schemas.microsoft.com/office/drawing/2014/main" xmlns="" id="{3484F10F-334C-431A-8E30-B66B496C56E8}"/>
+                <a16:creationId xmlns:a16="http://schemas.microsoft.com/office/drawing/2014/main" id="{3484F10F-334C-431A-8E30-B66B496C56E8}"/>
               </a:ext>
               <a:ext uri="{C183D7F6-B498-43B3-948B-1728B52AA6E4}">
-                <adec:decorative xmlns:adec="http://schemas.microsoft.com/office/drawing/2017/decorative" xmlns="" val="1"/>
+                <adec:decorative xmlns:adec="http://schemas.microsoft.com/office/drawing/2017/decorative" val="1"/>
               </a:ext>
             </a:extLst>
           </p:cNvPr>
@@ -13663,7 +13752,7 @@
           <p:nvPr>
             <p:extLst>
               <p:ext uri="{386F3935-93C4-4BCD-93E2-E3B085C9AB24}">
-                <p16:designElem xmlns:p16="http://schemas.microsoft.com/office/powerpoint/2015/main" xmlns="" val="1"/>
+                <p16:designElem xmlns:p16="http://schemas.microsoft.com/office/powerpoint/2015/main" val="1"/>
               </p:ext>
             </p:extLst>
           </p:nvPr>
@@ -14116,7 +14205,7 @@
           <p:cNvPr id="9" name="Imagen 8">
             <a:extLst>
               <a:ext uri="{FF2B5EF4-FFF2-40B4-BE49-F238E27FC236}">
-                <a16:creationId xmlns:a16="http://schemas.microsoft.com/office/drawing/2014/main" xmlns="" id="{908FD1C7-6A5E-499C-A163-487740F849DA}"/>
+                <a16:creationId xmlns:a16="http://schemas.microsoft.com/office/drawing/2014/main" id="{908FD1C7-6A5E-499C-A163-487740F849DA}"/>
               </a:ext>
             </a:extLst>
           </p:cNvPr>
@@ -14147,10 +14236,10 @@
           <p:cNvPr id="28" name="Freeform 31">
             <a:extLst>
               <a:ext uri="{FF2B5EF4-FFF2-40B4-BE49-F238E27FC236}">
-                <a16:creationId xmlns:a16="http://schemas.microsoft.com/office/drawing/2014/main" xmlns="" id="{AEA0BB24-2B23-4B19-996F-58DA607EE280}"/>
+                <a16:creationId xmlns:a16="http://schemas.microsoft.com/office/drawing/2014/main" id="{AEA0BB24-2B23-4B19-996F-58DA607EE280}"/>
               </a:ext>
               <a:ext uri="{C183D7F6-B498-43B3-948B-1728B52AA6E4}">
-                <adec:decorative xmlns:adec="http://schemas.microsoft.com/office/drawing/2017/decorative" xmlns="" val="1"/>
+                <adec:decorative xmlns:adec="http://schemas.microsoft.com/office/drawing/2017/decorative" val="1"/>
               </a:ext>
             </a:extLst>
           </p:cNvPr>
@@ -14160,7 +14249,7 @@
           <p:nvPr>
             <p:extLst>
               <p:ext uri="{386F3935-93C4-4BCD-93E2-E3B085C9AB24}">
-                <p16:designElem xmlns:p16="http://schemas.microsoft.com/office/powerpoint/2015/main" xmlns="" val="1"/>
+                <p16:designElem xmlns:p16="http://schemas.microsoft.com/office/powerpoint/2015/main" val="1"/>
               </p:ext>
             </p:extLst>
           </p:nvPr>
@@ -14499,7 +14588,7 @@
           <p:cNvPr id="4" name="Imagen 3">
             <a:extLst>
               <a:ext uri="{FF2B5EF4-FFF2-40B4-BE49-F238E27FC236}">
-                <a16:creationId xmlns:a16="http://schemas.microsoft.com/office/drawing/2014/main" xmlns="" id="{5E7CB56E-A7B2-40DC-BFBD-BD86D34F158B}"/>
+                <a16:creationId xmlns:a16="http://schemas.microsoft.com/office/drawing/2014/main" id="{5E7CB56E-A7B2-40DC-BFBD-BD86D34F158B}"/>
               </a:ext>
             </a:extLst>
           </p:cNvPr>
@@ -14529,7 +14618,7 @@
           <p:cNvPr id="10" name="CuadroTexto 9">
             <a:extLst>
               <a:ext uri="{FF2B5EF4-FFF2-40B4-BE49-F238E27FC236}">
-                <a16:creationId xmlns:a16="http://schemas.microsoft.com/office/drawing/2014/main" xmlns="" id="{2A082E52-04F0-411C-968A-F564058C04D0}"/>
+                <a16:creationId xmlns:a16="http://schemas.microsoft.com/office/drawing/2014/main" id="{2A082E52-04F0-411C-968A-F564058C04D0}"/>
               </a:ext>
             </a:extLst>
           </p:cNvPr>
@@ -14603,7 +14692,7 @@
           <p:cNvPr id="2" name="Título 1">
             <a:extLst>
               <a:ext uri="{FF2B5EF4-FFF2-40B4-BE49-F238E27FC236}">
-                <a16:creationId xmlns:a16="http://schemas.microsoft.com/office/drawing/2014/main" xmlns="" id="{ADDA5E69-DBC0-4051-B1A3-CE83220322E0}"/>
+                <a16:creationId xmlns:a16="http://schemas.microsoft.com/office/drawing/2014/main" id="{ADDA5E69-DBC0-4051-B1A3-CE83220322E0}"/>
               </a:ext>
             </a:extLst>
           </p:cNvPr>
@@ -14636,13 +14725,8 @@
             </a:r>
             <a:r>
               <a:rPr lang="en-US" sz="3200" b="1" dirty="0"/>
-              <a:t> o Tasa True </a:t>
-            </a:r>
-            <a:r>
-              <a:rPr lang="en-US" sz="3200" b="1" dirty="0" smtClean="0"/>
-              <a:t>Positive (TTP)</a:t>
-            </a:r>
-            <a:endParaRPr lang="en-US" sz="3200" b="1" dirty="0"/>
+              <a:t> o Tasa True Positive (TTP)</a:t>
+            </a:r>
           </a:p>
         </p:txBody>
       </p:sp>
@@ -14651,7 +14735,7 @@
           <p:cNvPr id="10" name="CuadroTexto 9">
             <a:extLst>
               <a:ext uri="{FF2B5EF4-FFF2-40B4-BE49-F238E27FC236}">
-                <a16:creationId xmlns:a16="http://schemas.microsoft.com/office/drawing/2014/main" xmlns="" id="{2A082E52-04F0-411C-968A-F564058C04D0}"/>
+                <a16:creationId xmlns:a16="http://schemas.microsoft.com/office/drawing/2014/main" id="{2A082E52-04F0-411C-968A-F564058C04D0}"/>
               </a:ext>
             </a:extLst>
           </p:cNvPr>
@@ -14687,7 +14771,7 @@
           <p:cNvPr id="5" name="Imagen 4">
             <a:extLst>
               <a:ext uri="{FF2B5EF4-FFF2-40B4-BE49-F238E27FC236}">
-                <a16:creationId xmlns:a16="http://schemas.microsoft.com/office/drawing/2014/main" xmlns="" id="{72867A82-C1A1-4480-8B05-13A00114D605}"/>
+                <a16:creationId xmlns:a16="http://schemas.microsoft.com/office/drawing/2014/main" id="{72867A82-C1A1-4480-8B05-13A00114D605}"/>
               </a:ext>
             </a:extLst>
           </p:cNvPr>
@@ -14747,7 +14831,7 @@
           <p:cNvPr id="2" name="Título 1">
             <a:extLst>
               <a:ext uri="{FF2B5EF4-FFF2-40B4-BE49-F238E27FC236}">
-                <a16:creationId xmlns:a16="http://schemas.microsoft.com/office/drawing/2014/main" xmlns="" id="{ADDA5E69-DBC0-4051-B1A3-CE83220322E0}"/>
+                <a16:creationId xmlns:a16="http://schemas.microsoft.com/office/drawing/2014/main" id="{ADDA5E69-DBC0-4051-B1A3-CE83220322E0}"/>
               </a:ext>
             </a:extLst>
           </p:cNvPr>
@@ -14771,7 +14855,7 @@
           <a:lstStyle/>
           <a:p>
             <a:r>
-              <a:rPr lang="en-US" sz="3200" b="1" dirty="0" err="1" smtClean="0"/>
+              <a:rPr lang="en-US" sz="3200" b="1" dirty="0" err="1"/>
               <a:t>Precisión</a:t>
             </a:r>
             <a:endParaRPr lang="en-US" sz="3200" b="1" dirty="0"/>
@@ -14783,7 +14867,7 @@
           <p:cNvPr id="10" name="CuadroTexto 9">
             <a:extLst>
               <a:ext uri="{FF2B5EF4-FFF2-40B4-BE49-F238E27FC236}">
-                <a16:creationId xmlns:a16="http://schemas.microsoft.com/office/drawing/2014/main" xmlns="" id="{2A082E52-04F0-411C-968A-F564058C04D0}"/>
+                <a16:creationId xmlns:a16="http://schemas.microsoft.com/office/drawing/2014/main" id="{2A082E52-04F0-411C-968A-F564058C04D0}"/>
               </a:ext>
             </a:extLst>
           </p:cNvPr>
@@ -14811,7 +14895,6 @@
               <a:rPr lang="es-MX" sz="2400" dirty="0"/>
               <a:t>Es el número de elementos identificados correctamente como positivo de un total de elementos identificados como positivos.</a:t>
             </a:r>
-            <a:endParaRPr lang="es-MX" sz="2400" dirty="0"/>
           </a:p>
         </p:txBody>
       </p:sp>
@@ -14874,7 +14957,7 @@
           <p:cNvPr id="2" name="Título 1">
             <a:extLst>
               <a:ext uri="{FF2B5EF4-FFF2-40B4-BE49-F238E27FC236}">
-                <a16:creationId xmlns:a16="http://schemas.microsoft.com/office/drawing/2014/main" xmlns="" id="{ADDA5E69-DBC0-4051-B1A3-CE83220322E0}"/>
+                <a16:creationId xmlns:a16="http://schemas.microsoft.com/office/drawing/2014/main" id="{ADDA5E69-DBC0-4051-B1A3-CE83220322E0}"/>
               </a:ext>
             </a:extLst>
           </p:cNvPr>
@@ -14898,22 +14981,21 @@
           <a:lstStyle/>
           <a:p>
             <a:r>
-              <a:rPr lang="en-US" sz="4000" b="1" dirty="0" err="1" smtClean="0"/>
+              <a:rPr lang="en-US" sz="4000" b="1" dirty="0" err="1"/>
               <a:t>Especificidad</a:t>
             </a:r>
             <a:r>
-              <a:rPr lang="en-US" sz="4000" b="1" dirty="0" smtClean="0"/>
+              <a:rPr lang="en-US" sz="4000" b="1" dirty="0"/>
               <a:t> o True </a:t>
             </a:r>
             <a:r>
-              <a:rPr lang="en-US" sz="4000" b="1" dirty="0" err="1" smtClean="0"/>
+              <a:rPr lang="en-US" sz="4000" b="1" dirty="0" err="1"/>
               <a:t>Neagative</a:t>
             </a:r>
             <a:r>
-              <a:rPr lang="en-US" sz="4000" b="1" dirty="0" smtClean="0"/>
+              <a:rPr lang="en-US" sz="4000" b="1" dirty="0"/>
               <a:t> Rate (TNR)</a:t>
             </a:r>
-            <a:endParaRPr lang="en-US" sz="4000" b="1" dirty="0"/>
           </a:p>
         </p:txBody>
       </p:sp>
@@ -14922,7 +15004,7 @@
           <p:cNvPr id="10" name="CuadroTexto 9">
             <a:extLst>
               <a:ext uri="{FF2B5EF4-FFF2-40B4-BE49-F238E27FC236}">
-                <a16:creationId xmlns:a16="http://schemas.microsoft.com/office/drawing/2014/main" xmlns="" id="{2A082E52-04F0-411C-968A-F564058C04D0}"/>
+                <a16:creationId xmlns:a16="http://schemas.microsoft.com/office/drawing/2014/main" id="{2A082E52-04F0-411C-968A-F564058C04D0}"/>
               </a:ext>
             </a:extLst>
           </p:cNvPr>
@@ -14948,11 +15030,7 @@
             <a:pPr algn="just"/>
             <a:r>
               <a:rPr lang="es-MX" sz="2400" dirty="0"/>
-              <a:t>Es el número de ítems correctamente identificados como negativos fuera del total de negativos</a:t>
-            </a:r>
-            <a:r>
-              <a:rPr lang="es-MX" sz="2400" dirty="0" smtClean="0"/>
-              <a:t>.</a:t>
+              <a:t>Es el número de ítems correctamente identificados como negativos fuera del total de negativos.</a:t>
             </a:r>
           </a:p>
           <a:p>
@@ -14969,7 +15047,6 @@
               <a:rPr lang="es-MX" sz="2400" b="1" dirty="0"/>
               <a:t>.</a:t>
             </a:r>
-            <a:endParaRPr lang="es-MX" sz="2400" b="1" dirty="0"/>
           </a:p>
         </p:txBody>
       </p:sp>
@@ -15032,7 +15109,7 @@
           <p:cNvPr id="2" name="Título 1">
             <a:extLst>
               <a:ext uri="{FF2B5EF4-FFF2-40B4-BE49-F238E27FC236}">
-                <a16:creationId xmlns:a16="http://schemas.microsoft.com/office/drawing/2014/main" xmlns="" id="{ADDA5E69-DBC0-4051-B1A3-CE83220322E0}"/>
+                <a16:creationId xmlns:a16="http://schemas.microsoft.com/office/drawing/2014/main" id="{ADDA5E69-DBC0-4051-B1A3-CE83220322E0}"/>
               </a:ext>
             </a:extLst>
           </p:cNvPr>
@@ -15056,10 +15133,9 @@
           <a:lstStyle/>
           <a:p>
             <a:r>
-              <a:rPr lang="en-US" sz="4000" b="1" dirty="0" smtClean="0"/>
+              <a:rPr lang="en-US" sz="4000" b="1" dirty="0"/>
               <a:t>F1 – Score </a:t>
             </a:r>
-            <a:endParaRPr lang="en-US" sz="4000" b="1" dirty="0"/>
           </a:p>
         </p:txBody>
       </p:sp>
@@ -15068,7 +15144,7 @@
           <p:cNvPr id="10" name="CuadroTexto 9">
             <a:extLst>
               <a:ext uri="{FF2B5EF4-FFF2-40B4-BE49-F238E27FC236}">
-                <a16:creationId xmlns:a16="http://schemas.microsoft.com/office/drawing/2014/main" xmlns="" id="{2A082E52-04F0-411C-968A-F564058C04D0}"/>
+                <a16:creationId xmlns:a16="http://schemas.microsoft.com/office/drawing/2014/main" id="{2A082E52-04F0-411C-968A-F564058C04D0}"/>
               </a:ext>
             </a:extLst>
           </p:cNvPr>
@@ -15093,32 +15169,24 @@
           <a:p>
             <a:pPr algn="just"/>
             <a:r>
-              <a:rPr lang="es-MX" sz="2400" dirty="0" smtClean="0"/>
+              <a:rPr lang="es-MX" sz="2400" dirty="0"/>
               <a:t>El F1-Score es usado cuando se requiere un balance entre </a:t>
             </a:r>
             <a:r>
-              <a:rPr lang="es-MX" sz="2400" dirty="0" err="1" smtClean="0"/>
+              <a:rPr lang="es-MX" sz="2400" dirty="0" err="1"/>
               <a:t>Precision</a:t>
             </a:r>
             <a:r>
-              <a:rPr lang="es-MX" sz="2400" dirty="0" smtClean="0"/>
+              <a:rPr lang="es-MX" sz="2400" dirty="0"/>
               <a:t> y </a:t>
             </a:r>
             <a:r>
-              <a:rPr lang="es-MX" sz="2400" dirty="0" err="1" smtClean="0"/>
+              <a:rPr lang="es-MX" sz="2400" dirty="0" err="1"/>
               <a:t>Recall</a:t>
             </a:r>
             <a:r>
-              <a:rPr lang="es-MX" sz="2400" dirty="0" smtClean="0"/>
-              <a:t>. F1-Score podría ser una mejor medida para usarse cuando hay una distribución de clases desigual (gran cantidad de negativos </a:t>
-            </a:r>
-            <a:r>
-              <a:rPr lang="es-MX" sz="2400" dirty="0" err="1" smtClean="0"/>
-              <a:t>rerales</a:t>
-            </a:r>
-            <a:r>
-              <a:rPr lang="es-MX" sz="2400" dirty="0" smtClean="0"/>
-              <a:t>).</a:t>
+              <a:rPr lang="es-MX" sz="2400" dirty="0"/>
+              <a:t>. F1-Score podría ser una mejor medida para usarse cuando hay una distribución de clases desigual (gran cantidad de negativos reales).</a:t>
             </a:r>
           </a:p>
           <a:p>
